--- a/Accelerating Loan Approvals.pptx
+++ b/Accelerating Loan Approvals.pptx
@@ -7,11 +7,15 @@
   <p:sldIdLst>
     <p:sldId id="298" r:id="rId5"/>
     <p:sldId id="302" r:id="rId6"/>
-    <p:sldId id="303" r:id="rId7"/>
-    <p:sldId id="304" r:id="rId8"/>
-    <p:sldId id="305" r:id="rId9"/>
-    <p:sldId id="306" r:id="rId10"/>
-    <p:sldId id="307" r:id="rId11"/>
+    <p:sldId id="309" r:id="rId7"/>
+    <p:sldId id="310" r:id="rId8"/>
+    <p:sldId id="303" r:id="rId9"/>
+    <p:sldId id="304" r:id="rId10"/>
+    <p:sldId id="311" r:id="rId11"/>
+    <p:sldId id="305" r:id="rId12"/>
+    <p:sldId id="312" r:id="rId13"/>
+    <p:sldId id="306" r:id="rId14"/>
+    <p:sldId id="307" r:id="rId15"/>
   </p:sldIdLst>
   <p:sldSz cx="12192000" cy="6858000"/>
   <p:notesSz cx="6858000" cy="9144000"/>
@@ -257,7 +261,7 @@
           <a:p>
             <a:fld id="{9184DA70-C731-4C70-880D-CCD4705E623C}" type="datetime1">
               <a:rPr lang="en-US" smtClean="0"/>
-              <a:t>6/26/2024</a:t>
+              <a:t>6/26/24</a:t>
             </a:fld>
             <a:endParaRPr lang="en-US" dirty="0"/>
           </a:p>
@@ -468,7 +472,7 @@
           <a:p>
             <a:fld id="{62D6E202-B606-4609-B914-27C9371A1F6D}" type="datetime1">
               <a:rPr lang="en-US" smtClean="0"/>
-              <a:t>6/26/2024</a:t>
+              <a:t>6/26/24</a:t>
             </a:fld>
             <a:endParaRPr lang="en-US" dirty="0"/>
           </a:p>
@@ -684,7 +688,7 @@
           <a:p>
             <a:fld id="{62D6E202-B606-4609-B914-27C9371A1F6D}" type="datetime1">
               <a:rPr lang="en-US" smtClean="0"/>
-              <a:t>6/26/2024</a:t>
+              <a:t>6/26/24</a:t>
             </a:fld>
             <a:endParaRPr lang="en-US" dirty="0"/>
           </a:p>
@@ -886,7 +890,7 @@
           <a:p>
             <a:fld id="{4BE1D723-8F53-4F53-90B0-1982A396982E}" type="datetime1">
               <a:rPr lang="en-US" smtClean="0"/>
-              <a:t>6/26/2024</a:t>
+              <a:t>6/26/24</a:t>
             </a:fld>
             <a:endParaRPr lang="en-US" dirty="0"/>
           </a:p>
@@ -1165,7 +1169,7 @@
           <a:p>
             <a:fld id="{97669AF7-7BEB-44E4-9852-375E34362B5B}" type="datetime1">
               <a:rPr lang="en-US" smtClean="0"/>
-              <a:t>6/26/2024</a:t>
+              <a:t>6/26/24</a:t>
             </a:fld>
             <a:endParaRPr lang="en-US" dirty="0"/>
           </a:p>
@@ -1433,7 +1437,7 @@
           <a:p>
             <a:fld id="{BAAAC38D-0552-4C82-B593-E6124DFADBE2}" type="datetime1">
               <a:rPr lang="en-US" smtClean="0"/>
-              <a:t>6/26/2024</a:t>
+              <a:t>6/26/24</a:t>
             </a:fld>
             <a:endParaRPr lang="en-US" dirty="0"/>
           </a:p>
@@ -1849,7 +1853,7 @@
           <a:p>
             <a:fld id="{D9DF0F1C-5577-4ACB-BB62-DF8F3C494C7E}" type="datetime1">
               <a:rPr lang="en-US" smtClean="0"/>
-              <a:t>6/26/2024</a:t>
+              <a:t>6/26/24</a:t>
             </a:fld>
             <a:endParaRPr lang="en-US" dirty="0"/>
           </a:p>
@@ -1998,7 +2002,7 @@
           <a:p>
             <a:fld id="{1775B394-D9F9-4F0C-B15D-605F45CB9E9F}" type="datetime1">
               <a:rPr lang="en-US" smtClean="0"/>
-              <a:t>6/26/2024</a:t>
+              <a:t>6/26/24</a:t>
             </a:fld>
             <a:endParaRPr lang="en-US" dirty="0"/>
           </a:p>
@@ -2124,7 +2128,7 @@
           <a:p>
             <a:fld id="{39667345-2558-425A-8533-9BFDBCE15005}" type="datetime1">
               <a:rPr lang="en-US" smtClean="0"/>
-              <a:t>6/26/2024</a:t>
+              <a:t>6/26/24</a:t>
             </a:fld>
             <a:endParaRPr lang="en-US" dirty="0"/>
           </a:p>
@@ -2375,7 +2379,7 @@
           <a:p>
             <a:fld id="{92BEA474-078D-4E9B-9B14-09A87B19DC46}" type="datetime1">
               <a:rPr lang="en-US" smtClean="0"/>
-              <a:t>6/26/2024</a:t>
+              <a:t>6/26/24</a:t>
             </a:fld>
             <a:endParaRPr lang="en-US" dirty="0"/>
           </a:p>
@@ -2821,7 +2825,7 @@
           <a:p>
             <a:fld id="{4907D986-8816-4272-A432-0437A28A9828}" type="datetime1">
               <a:rPr lang="en-US" smtClean="0"/>
-              <a:t>6/26/2024</a:t>
+              <a:t>6/26/24</a:t>
             </a:fld>
             <a:endParaRPr lang="en-US" dirty="0"/>
           </a:p>
@@ -3149,7 +3153,7 @@
           <a:p>
             <a:fld id="{62D6E202-B606-4609-B914-27C9371A1F6D}" type="datetime1">
               <a:rPr lang="en-US" smtClean="0"/>
-              <a:t>6/26/2024</a:t>
+              <a:t>6/26/24</a:t>
             </a:fld>
             <a:endParaRPr lang="en-US" dirty="0"/>
           </a:p>
@@ -3794,13 +3798,13 @@
   <p:clrMapOvr>
     <a:overrideClrMapping bg1="dk1" tx1="lt1" bg2="dk2" tx2="lt2" accent1="accent1" accent2="accent2" accent3="accent3" accent4="accent4" accent5="accent5" accent6="accent6" hlink="hlink" folHlink="folHlink"/>
   </p:clrMapOvr>
-  <mc:AlternateContent xmlns:mc="http://schemas.openxmlformats.org/markup-compatibility/2006">
-    <mc:Choice xmlns:p14="http://schemas.microsoft.com/office/powerpoint/2010/main" Requires="p14">
+  <mc:AlternateContent xmlns:mc="http://schemas.openxmlformats.org/markup-compatibility/2006" xmlns:p14="http://schemas.microsoft.com/office/powerpoint/2010/main">
+    <mc:Choice Requires="p14">
       <p:transition spd="slow" p14:dur="800">
         <p:circle/>
       </p:transition>
     </mc:Choice>
-    <mc:Fallback>
+    <mc:Fallback xmlns="">
       <p:transition spd="slow">
         <p:circle/>
       </p:transition>
@@ -4060,6 +4064,649 @@
       <p:bldP spid="2" grpId="0"/>
       <p:bldP spid="3" grpId="0" build="p"/>
     </p:bldLst>
+  </p:timing>
+</p:sld>
+</file>
+
+<file path=ppt/slides/slide10.xml><?xml version="1.0" encoding="utf-8"?>
+<p:sld xmlns:a="http://schemas.openxmlformats.org/drawingml/2006/main" xmlns:r="http://schemas.openxmlformats.org/officeDocument/2006/relationships" xmlns:p="http://schemas.openxmlformats.org/presentationml/2006/main">
+  <p:cSld>
+    <p:bg>
+      <p:bgPr>
+        <a:solidFill>
+          <a:srgbClr val="CCCC00">
+            <a:alpha val="23137"/>
+          </a:srgbClr>
+        </a:solidFill>
+        <a:effectLst/>
+      </p:bgPr>
+    </p:bg>
+    <p:spTree>
+      <p:nvGrpSpPr>
+        <p:cNvPr id="1" name=""/>
+        <p:cNvGrpSpPr/>
+        <p:nvPr/>
+      </p:nvGrpSpPr>
+      <p:grpSpPr>
+        <a:xfrm>
+          <a:off x="0" y="0"/>
+          <a:ext cx="0" cy="0"/>
+          <a:chOff x="0" y="0"/>
+          <a:chExt cx="0" cy="0"/>
+        </a:xfrm>
+      </p:grpSpPr>
+      <p:sp>
+        <p:nvSpPr>
+          <p:cNvPr id="9" name="Rectangle: Rounded Corners 8">
+            <a:extLst>
+              <a:ext uri="{FF2B5EF4-FFF2-40B4-BE49-F238E27FC236}">
+                <a16:creationId xmlns:a16="http://schemas.microsoft.com/office/drawing/2014/main" id="{0CC9C4CF-AA25-40BA-611F-48AA90E53C89}"/>
+              </a:ext>
+            </a:extLst>
+          </p:cNvPr>
+          <p:cNvSpPr/>
+          <p:nvPr/>
+        </p:nvSpPr>
+        <p:spPr>
+          <a:xfrm>
+            <a:off x="201918" y="600919"/>
+            <a:ext cx="11162211" cy="5342709"/>
+          </a:xfrm>
+          <a:prstGeom prst="roundRect">
+            <a:avLst/>
+          </a:prstGeom>
+          <a:solidFill>
+            <a:srgbClr val="CCCC00">
+              <a:alpha val="43922"/>
+            </a:srgbClr>
+          </a:solidFill>
+        </p:spPr>
+        <p:style>
+          <a:lnRef idx="2">
+            <a:schemeClr val="accent1">
+              <a:shade val="15000"/>
+            </a:schemeClr>
+          </a:lnRef>
+          <a:fillRef idx="1">
+            <a:schemeClr val="accent1"/>
+          </a:fillRef>
+          <a:effectRef idx="0">
+            <a:schemeClr val="accent1"/>
+          </a:effectRef>
+          <a:fontRef idx="minor">
+            <a:schemeClr val="lt1"/>
+          </a:fontRef>
+        </p:style>
+        <p:txBody>
+          <a:bodyPr rtlCol="0" anchor="ctr"/>
+          <a:lstStyle/>
+          <a:p>
+            <a:pPr algn="ctr"/>
+            <a:endParaRPr lang="en-IN"/>
+          </a:p>
+        </p:txBody>
+      </p:sp>
+      <p:pic>
+        <p:nvPicPr>
+          <p:cNvPr id="11" name="Picture 10">
+            <a:extLst>
+              <a:ext uri="{FF2B5EF4-FFF2-40B4-BE49-F238E27FC236}">
+                <a16:creationId xmlns:a16="http://schemas.microsoft.com/office/drawing/2014/main" id="{91E86772-8DCD-98A9-2335-A8385AE121C0}"/>
+              </a:ext>
+            </a:extLst>
+          </p:cNvPr>
+          <p:cNvPicPr>
+            <a:picLocks noChangeAspect="1"/>
+          </p:cNvPicPr>
+          <p:nvPr/>
+        </p:nvPicPr>
+        <p:blipFill>
+          <a:blip r:embed="rId2"/>
+          <a:stretch>
+            <a:fillRect/>
+          </a:stretch>
+        </p:blipFill>
+        <p:spPr>
+          <a:xfrm>
+            <a:off x="201918" y="600919"/>
+            <a:ext cx="11162211" cy="5342709"/>
+          </a:xfrm>
+          <a:prstGeom prst="rect">
+            <a:avLst/>
+          </a:prstGeom>
+        </p:spPr>
+      </p:pic>
+      <p:sp>
+        <p:nvSpPr>
+          <p:cNvPr id="12" name="TextBox 11">
+            <a:extLst>
+              <a:ext uri="{FF2B5EF4-FFF2-40B4-BE49-F238E27FC236}">
+                <a16:creationId xmlns:a16="http://schemas.microsoft.com/office/drawing/2014/main" id="{07E0FA05-7248-3FF7-72A3-2E8B4EA8CF06}"/>
+              </a:ext>
+            </a:extLst>
+          </p:cNvPr>
+          <p:cNvSpPr txBox="1"/>
+          <p:nvPr/>
+        </p:nvSpPr>
+        <p:spPr>
+          <a:xfrm>
+            <a:off x="1616528" y="2155371"/>
+            <a:ext cx="2944586" cy="1446550"/>
+          </a:xfrm>
+          <a:prstGeom prst="rect">
+            <a:avLst/>
+          </a:prstGeom>
+          <a:noFill/>
+        </p:spPr>
+        <p:txBody>
+          <a:bodyPr wrap="square" rtlCol="0">
+            <a:spAutoFit/>
+          </a:bodyPr>
+          <a:lstStyle/>
+          <a:p>
+            <a:r>
+              <a:rPr lang="en-IN" sz="4400" b="1" dirty="0">
+                <a:solidFill>
+                  <a:schemeClr val="bg1"/>
+                </a:solidFill>
+                <a:latin typeface="Bradley Hand ITC" panose="03070402050302030203" pitchFamily="66" charset="0"/>
+              </a:rPr>
+              <a:t>Any</a:t>
+            </a:r>
+            <a:r>
+              <a:rPr lang="en-IN" sz="4400" b="1" dirty="0">
+                <a:latin typeface="Bradley Hand ITC" panose="03070402050302030203" pitchFamily="66" charset="0"/>
+              </a:rPr>
+              <a:t> </a:t>
+            </a:r>
+            <a:r>
+              <a:rPr lang="en-IN" sz="4400" b="1" dirty="0">
+                <a:solidFill>
+                  <a:schemeClr val="bg1"/>
+                </a:solidFill>
+                <a:latin typeface="Bradley Hand ITC" panose="03070402050302030203" pitchFamily="66" charset="0"/>
+              </a:rPr>
+              <a:t>questions ?</a:t>
+            </a:r>
+          </a:p>
+        </p:txBody>
+      </p:sp>
+    </p:spTree>
+    <p:extLst>
+      <p:ext uri="{BB962C8B-B14F-4D97-AF65-F5344CB8AC3E}">
+        <p14:creationId xmlns:p14="http://schemas.microsoft.com/office/powerpoint/2010/main" val="252545827"/>
+      </p:ext>
+    </p:extLst>
+  </p:cSld>
+  <p:clrMapOvr>
+    <a:masterClrMapping/>
+  </p:clrMapOvr>
+  <mc:AlternateContent xmlns:mc="http://schemas.openxmlformats.org/markup-compatibility/2006" xmlns:p14="http://schemas.microsoft.com/office/powerpoint/2010/main">
+    <mc:Choice Requires="p14">
+      <p:transition spd="slow" p14:dur="1400">
+        <p14:ripple/>
+      </p:transition>
+    </mc:Choice>
+    <mc:Fallback xmlns="">
+      <p:transition spd="slow">
+        <p:fade/>
+      </p:transition>
+    </mc:Fallback>
+  </mc:AlternateContent>
+  <p:timing>
+    <p:tnLst>
+      <p:par>
+        <p:cTn id="1" dur="indefinite" restart="never" nodeType="tmRoot">
+          <p:childTnLst>
+            <p:seq concurrent="1" nextAc="seek">
+              <p:cTn id="2" dur="indefinite" nodeType="mainSeq">
+                <p:childTnLst>
+                  <p:par>
+                    <p:cTn id="3" fill="hold">
+                      <p:stCondLst>
+                        <p:cond delay="indefinite"/>
+                      </p:stCondLst>
+                      <p:childTnLst>
+                        <p:par>
+                          <p:cTn id="4" fill="hold">
+                            <p:stCondLst>
+                              <p:cond delay="0"/>
+                            </p:stCondLst>
+                            <p:childTnLst>
+                              <p:par>
+                                <p:cTn id="5" presetID="22" presetClass="entr" presetSubtype="4" fill="hold" nodeType="clickEffect">
+                                  <p:stCondLst>
+                                    <p:cond delay="0"/>
+                                  </p:stCondLst>
+                                  <p:childTnLst>
+                                    <p:set>
+                                      <p:cBhvr>
+                                        <p:cTn id="6" dur="1" fill="hold">
+                                          <p:stCondLst>
+                                            <p:cond delay="0"/>
+                                          </p:stCondLst>
+                                        </p:cTn>
+                                        <p:tgtEl>
+                                          <p:spTgt spid="12">
+                                            <p:txEl>
+                                              <p:pRg st="0" end="0"/>
+                                            </p:txEl>
+                                          </p:spTgt>
+                                        </p:tgtEl>
+                                        <p:attrNameLst>
+                                          <p:attrName>style.visibility</p:attrName>
+                                        </p:attrNameLst>
+                                      </p:cBhvr>
+                                      <p:to>
+                                        <p:strVal val="visible"/>
+                                      </p:to>
+                                    </p:set>
+                                    <p:animEffect transition="in" filter="wipe(down)">
+                                      <p:cBhvr>
+                                        <p:cTn id="7" dur="500"/>
+                                        <p:tgtEl>
+                                          <p:spTgt spid="12">
+                                            <p:txEl>
+                                              <p:pRg st="0" end="0"/>
+                                            </p:txEl>
+                                          </p:spTgt>
+                                        </p:tgtEl>
+                                      </p:cBhvr>
+                                    </p:animEffect>
+                                  </p:childTnLst>
+                                </p:cTn>
+                              </p:par>
+                            </p:childTnLst>
+                          </p:cTn>
+                        </p:par>
+                      </p:childTnLst>
+                    </p:cTn>
+                  </p:par>
+                </p:childTnLst>
+              </p:cTn>
+              <p:prevCondLst>
+                <p:cond evt="onPrev" delay="0">
+                  <p:tgtEl>
+                    <p:sldTgt/>
+                  </p:tgtEl>
+                </p:cond>
+              </p:prevCondLst>
+              <p:nextCondLst>
+                <p:cond evt="onNext" delay="0">
+                  <p:tgtEl>
+                    <p:sldTgt/>
+                  </p:tgtEl>
+                </p:cond>
+              </p:nextCondLst>
+            </p:seq>
+          </p:childTnLst>
+        </p:cTn>
+      </p:par>
+    </p:tnLst>
+  </p:timing>
+</p:sld>
+</file>
+
+<file path=ppt/slides/slide11.xml><?xml version="1.0" encoding="utf-8"?>
+<p:sld xmlns:a="http://schemas.openxmlformats.org/drawingml/2006/main" xmlns:r="http://schemas.openxmlformats.org/officeDocument/2006/relationships" xmlns:p="http://schemas.openxmlformats.org/presentationml/2006/main">
+  <p:cSld>
+    <p:bg>
+      <p:bgPr>
+        <a:solidFill>
+          <a:srgbClr val="CCCC00">
+            <a:alpha val="23137"/>
+          </a:srgbClr>
+        </a:solidFill>
+        <a:effectLst/>
+      </p:bgPr>
+    </p:bg>
+    <p:spTree>
+      <p:nvGrpSpPr>
+        <p:cNvPr id="1" name=""/>
+        <p:cNvGrpSpPr/>
+        <p:nvPr/>
+      </p:nvGrpSpPr>
+      <p:grpSpPr>
+        <a:xfrm>
+          <a:off x="0" y="0"/>
+          <a:ext cx="0" cy="0"/>
+          <a:chOff x="0" y="0"/>
+          <a:chExt cx="0" cy="0"/>
+        </a:xfrm>
+      </p:grpSpPr>
+      <p:sp>
+        <p:nvSpPr>
+          <p:cNvPr id="9" name="Rectangle: Rounded Corners 8">
+            <a:extLst>
+              <a:ext uri="{FF2B5EF4-FFF2-40B4-BE49-F238E27FC236}">
+                <a16:creationId xmlns:a16="http://schemas.microsoft.com/office/drawing/2014/main" id="{0CC9C4CF-AA25-40BA-611F-48AA90E53C89}"/>
+              </a:ext>
+            </a:extLst>
+          </p:cNvPr>
+          <p:cNvSpPr/>
+          <p:nvPr/>
+        </p:nvSpPr>
+        <p:spPr>
+          <a:xfrm>
+            <a:off x="201918" y="600919"/>
+            <a:ext cx="11162211" cy="5342709"/>
+          </a:xfrm>
+          <a:prstGeom prst="roundRect">
+            <a:avLst/>
+          </a:prstGeom>
+          <a:solidFill>
+            <a:srgbClr val="CCCC00">
+              <a:alpha val="43922"/>
+            </a:srgbClr>
+          </a:solidFill>
+        </p:spPr>
+        <p:style>
+          <a:lnRef idx="2">
+            <a:schemeClr val="accent1">
+              <a:shade val="15000"/>
+            </a:schemeClr>
+          </a:lnRef>
+          <a:fillRef idx="1">
+            <a:schemeClr val="accent1"/>
+          </a:fillRef>
+          <a:effectRef idx="0">
+            <a:schemeClr val="accent1"/>
+          </a:effectRef>
+          <a:fontRef idx="minor">
+            <a:schemeClr val="lt1"/>
+          </a:fontRef>
+        </p:style>
+        <p:txBody>
+          <a:bodyPr rtlCol="0" anchor="ctr"/>
+          <a:lstStyle/>
+          <a:p>
+            <a:pPr algn="ctr"/>
+            <a:endParaRPr lang="en-IN" dirty="0"/>
+          </a:p>
+        </p:txBody>
+      </p:sp>
+      <p:sp>
+        <p:nvSpPr>
+          <p:cNvPr id="2" name="Rectangle 1">
+            <a:extLst>
+              <a:ext uri="{FF2B5EF4-FFF2-40B4-BE49-F238E27FC236}">
+                <a16:creationId xmlns:a16="http://schemas.microsoft.com/office/drawing/2014/main" id="{B06718A7-0BF2-BE33-E650-0176A7206239}"/>
+              </a:ext>
+            </a:extLst>
+          </p:cNvPr>
+          <p:cNvSpPr/>
+          <p:nvPr/>
+        </p:nvSpPr>
+        <p:spPr>
+          <a:xfrm>
+            <a:off x="3499758" y="2967335"/>
+            <a:ext cx="4356474" cy="923330"/>
+          </a:xfrm>
+          <a:prstGeom prst="rect">
+            <a:avLst/>
+          </a:prstGeom>
+          <a:noFill/>
+        </p:spPr>
+        <p:txBody>
+          <a:bodyPr wrap="square" lIns="91440" tIns="45720" rIns="91440" bIns="45720">
+            <a:spAutoFit/>
+          </a:bodyPr>
+          <a:lstStyle/>
+          <a:p>
+            <a:pPr algn="ctr"/>
+            <a:r>
+              <a:rPr lang="en-US" sz="5400" b="1" dirty="0">
+                <a:ln w="12700">
+                  <a:solidFill>
+                    <a:schemeClr val="accent1">
+                      <a:lumMod val="40000"/>
+                      <a:lumOff val="60000"/>
+                    </a:schemeClr>
+                  </a:solidFill>
+                  <a:prstDash val="solid"/>
+                </a:ln>
+                <a:solidFill>
+                  <a:schemeClr val="accent6">
+                    <a:lumMod val="75000"/>
+                  </a:schemeClr>
+                </a:solidFill>
+                <a:effectLst>
+                  <a:innerShdw blurRad="177800">
+                    <a:schemeClr val="accent3">
+                      <a:lumMod val="50000"/>
+                    </a:schemeClr>
+                  </a:innerShdw>
+                </a:effectLst>
+              </a:rPr>
+              <a:t>Thank You</a:t>
+            </a:r>
+            <a:endParaRPr lang="en-US" sz="5400" b="1" cap="none" spc="0" dirty="0">
+              <a:ln w="12700">
+                <a:solidFill>
+                  <a:schemeClr val="accent1">
+                    <a:lumMod val="40000"/>
+                    <a:lumOff val="60000"/>
+                  </a:schemeClr>
+                </a:solidFill>
+                <a:prstDash val="solid"/>
+              </a:ln>
+              <a:solidFill>
+                <a:schemeClr val="accent6">
+                  <a:lumMod val="75000"/>
+                </a:schemeClr>
+              </a:solidFill>
+              <a:effectLst>
+                <a:innerShdw blurRad="177800">
+                  <a:schemeClr val="accent3">
+                    <a:lumMod val="50000"/>
+                  </a:schemeClr>
+                </a:innerShdw>
+              </a:effectLst>
+            </a:endParaRPr>
+          </a:p>
+        </p:txBody>
+      </p:sp>
+      <p:pic>
+        <p:nvPicPr>
+          <p:cNvPr id="4" name="Graphic 3" descr="Angel face with solid fill with solid fill">
+            <a:extLst>
+              <a:ext uri="{FF2B5EF4-FFF2-40B4-BE49-F238E27FC236}">
+                <a16:creationId xmlns:a16="http://schemas.microsoft.com/office/drawing/2014/main" id="{E1AB94DD-34B0-07C7-F890-E6F8D531D0EF}"/>
+              </a:ext>
+            </a:extLst>
+          </p:cNvPr>
+          <p:cNvPicPr>
+            <a:picLocks noChangeAspect="1"/>
+          </p:cNvPicPr>
+          <p:nvPr/>
+        </p:nvPicPr>
+        <p:blipFill>
+          <a:blip r:embed="rId2">
+            <a:extLst>
+              <a:ext uri="{96DAC541-7B7A-43D3-8B79-37D633B846F1}">
+                <asvg:svgBlip xmlns:asvg="http://schemas.microsoft.com/office/drawing/2016/SVG/main" r:embed="rId3"/>
+              </a:ext>
+            </a:extLst>
+          </a:blip>
+          <a:stretch>
+            <a:fillRect/>
+          </a:stretch>
+        </p:blipFill>
+        <p:spPr>
+          <a:xfrm>
+            <a:off x="7347857" y="2967335"/>
+            <a:ext cx="914400" cy="914400"/>
+          </a:xfrm>
+          <a:prstGeom prst="rect">
+            <a:avLst/>
+          </a:prstGeom>
+        </p:spPr>
+      </p:pic>
+    </p:spTree>
+    <p:extLst>
+      <p:ext uri="{BB962C8B-B14F-4D97-AF65-F5344CB8AC3E}">
+        <p14:creationId xmlns:p14="http://schemas.microsoft.com/office/powerpoint/2010/main" val="4038716938"/>
+      </p:ext>
+    </p:extLst>
+  </p:cSld>
+  <p:clrMapOvr>
+    <a:masterClrMapping/>
+  </p:clrMapOvr>
+  <mc:AlternateContent xmlns:mc="http://schemas.openxmlformats.org/markup-compatibility/2006" xmlns:p14="http://schemas.microsoft.com/office/powerpoint/2010/main">
+    <mc:Choice Requires="p14">
+      <p:transition spd="slow" p14:dur="1600">
+        <p14:prism isContent="1" isInverted="1"/>
+      </p:transition>
+    </mc:Choice>
+    <mc:Fallback xmlns="">
+      <p:transition spd="slow">
+        <p:fade/>
+      </p:transition>
+    </mc:Fallback>
+  </mc:AlternateContent>
+  <p:timing>
+    <p:tnLst>
+      <p:par>
+        <p:cTn id="1" dur="indefinite" restart="never" nodeType="tmRoot">
+          <p:childTnLst>
+            <p:seq concurrent="1" nextAc="seek">
+              <p:cTn id="2" dur="indefinite" nodeType="mainSeq">
+                <p:childTnLst>
+                  <p:par>
+                    <p:cTn id="3" fill="hold">
+                      <p:stCondLst>
+                        <p:cond delay="indefinite"/>
+                      </p:stCondLst>
+                      <p:childTnLst>
+                        <p:par>
+                          <p:cTn id="4" fill="hold">
+                            <p:stCondLst>
+                              <p:cond delay="0"/>
+                            </p:stCondLst>
+                            <p:childTnLst>
+                              <p:par>
+                                <p:cTn id="5" presetID="6" presetClass="entr" presetSubtype="16" fill="hold" nodeType="clickEffect">
+                                  <p:stCondLst>
+                                    <p:cond delay="0"/>
+                                  </p:stCondLst>
+                                  <p:childTnLst>
+                                    <p:set>
+                                      <p:cBhvr>
+                                        <p:cTn id="6" dur="1" fill="hold">
+                                          <p:stCondLst>
+                                            <p:cond delay="0"/>
+                                          </p:stCondLst>
+                                        </p:cTn>
+                                        <p:tgtEl>
+                                          <p:spTgt spid="2">
+                                            <p:txEl>
+                                              <p:pRg st="0" end="0"/>
+                                            </p:txEl>
+                                          </p:spTgt>
+                                        </p:tgtEl>
+                                        <p:attrNameLst>
+                                          <p:attrName>style.visibility</p:attrName>
+                                        </p:attrNameLst>
+                                      </p:cBhvr>
+                                      <p:to>
+                                        <p:strVal val="visible"/>
+                                      </p:to>
+                                    </p:set>
+                                    <p:animEffect transition="in" filter="circle(in)">
+                                      <p:cBhvr>
+                                        <p:cTn id="7" dur="2000"/>
+                                        <p:tgtEl>
+                                          <p:spTgt spid="2">
+                                            <p:txEl>
+                                              <p:pRg st="0" end="0"/>
+                                            </p:txEl>
+                                          </p:spTgt>
+                                        </p:tgtEl>
+                                      </p:cBhvr>
+                                    </p:animEffect>
+                                  </p:childTnLst>
+                                </p:cTn>
+                              </p:par>
+                            </p:childTnLst>
+                          </p:cTn>
+                        </p:par>
+                      </p:childTnLst>
+                    </p:cTn>
+                  </p:par>
+                  <p:par>
+                    <p:cTn id="8" fill="hold">
+                      <p:stCondLst>
+                        <p:cond delay="indefinite"/>
+                      </p:stCondLst>
+                      <p:childTnLst>
+                        <p:par>
+                          <p:cTn id="9" fill="hold">
+                            <p:stCondLst>
+                              <p:cond delay="0"/>
+                            </p:stCondLst>
+                            <p:childTnLst>
+                              <p:par>
+                                <p:cTn id="10" presetID="22" presetClass="entr" presetSubtype="4" fill="hold" nodeType="clickEffect">
+                                  <p:stCondLst>
+                                    <p:cond delay="0"/>
+                                  </p:stCondLst>
+                                  <p:childTnLst>
+                                    <p:set>
+                                      <p:cBhvr>
+                                        <p:cTn id="11" dur="1" fill="hold">
+                                          <p:stCondLst>
+                                            <p:cond delay="0"/>
+                                          </p:stCondLst>
+                                        </p:cTn>
+                                        <p:tgtEl>
+                                          <p:spTgt spid="4"/>
+                                        </p:tgtEl>
+                                        <p:attrNameLst>
+                                          <p:attrName>style.visibility</p:attrName>
+                                        </p:attrNameLst>
+                                      </p:cBhvr>
+                                      <p:to>
+                                        <p:strVal val="visible"/>
+                                      </p:to>
+                                    </p:set>
+                                    <p:animEffect transition="in" filter="wipe(down)">
+                                      <p:cBhvr>
+                                        <p:cTn id="12" dur="500"/>
+                                        <p:tgtEl>
+                                          <p:spTgt spid="4"/>
+                                        </p:tgtEl>
+                                      </p:cBhvr>
+                                    </p:animEffect>
+                                  </p:childTnLst>
+                                </p:cTn>
+                              </p:par>
+                            </p:childTnLst>
+                          </p:cTn>
+                        </p:par>
+                      </p:childTnLst>
+                    </p:cTn>
+                  </p:par>
+                </p:childTnLst>
+              </p:cTn>
+              <p:prevCondLst>
+                <p:cond evt="onPrev" delay="0">
+                  <p:tgtEl>
+                    <p:sldTgt/>
+                  </p:tgtEl>
+                </p:cond>
+              </p:prevCondLst>
+              <p:nextCondLst>
+                <p:cond evt="onNext" delay="0">
+                  <p:tgtEl>
+                    <p:sldTgt/>
+                  </p:tgtEl>
+                </p:cond>
+              </p:nextCondLst>
+            </p:seq>
+          </p:childTnLst>
+        </p:cTn>
+      </p:par>
+    </p:tnLst>
   </p:timing>
 </p:sld>
 </file>
@@ -4516,13 +5163,13 @@
   <p:clrMapOvr>
     <a:masterClrMapping/>
   </p:clrMapOvr>
-  <mc:AlternateContent xmlns:mc="http://schemas.openxmlformats.org/markup-compatibility/2006">
-    <mc:Choice xmlns:p14="http://schemas.microsoft.com/office/powerpoint/2010/main" Requires="p14">
+  <mc:AlternateContent xmlns:mc="http://schemas.openxmlformats.org/markup-compatibility/2006" xmlns:p14="http://schemas.microsoft.com/office/powerpoint/2010/main">
+    <mc:Choice Requires="p14">
       <p:transition spd="slow">
         <p14:flash/>
       </p:transition>
     </mc:Choice>
-    <mc:Fallback>
+    <mc:Fallback xmlns="">
       <p:transition spd="slow">
         <p:fade/>
       </p:transition>
@@ -5266,6 +5913,1598 @@
 </file>
 
 <file path=ppt/slides/slide3.xml><?xml version="1.0" encoding="utf-8"?>
+<p:sld xmlns:a="http://schemas.openxmlformats.org/drawingml/2006/main" xmlns:r="http://schemas.openxmlformats.org/officeDocument/2006/relationships" xmlns:p="http://schemas.openxmlformats.org/presentationml/2006/main">
+  <p:cSld>
+    <p:spTree>
+      <p:nvGrpSpPr>
+        <p:cNvPr id="1" name=""/>
+        <p:cNvGrpSpPr/>
+        <p:nvPr/>
+      </p:nvGrpSpPr>
+      <p:grpSpPr>
+        <a:xfrm>
+          <a:off x="0" y="0"/>
+          <a:ext cx="0" cy="0"/>
+          <a:chOff x="0" y="0"/>
+          <a:chExt cx="0" cy="0"/>
+        </a:xfrm>
+      </p:grpSpPr>
+      <p:sp>
+        <p:nvSpPr>
+          <p:cNvPr id="9" name="Rectangle: Rounded Corners 8">
+            <a:extLst>
+              <a:ext uri="{FF2B5EF4-FFF2-40B4-BE49-F238E27FC236}">
+                <a16:creationId xmlns:a16="http://schemas.microsoft.com/office/drawing/2014/main" id="{0CC9C4CF-AA25-40BA-611F-48AA90E53C89}"/>
+              </a:ext>
+            </a:extLst>
+          </p:cNvPr>
+          <p:cNvSpPr/>
+          <p:nvPr/>
+        </p:nvSpPr>
+        <p:spPr>
+          <a:xfrm>
+            <a:off x="110756" y="305255"/>
+            <a:ext cx="11573671" cy="5769867"/>
+          </a:xfrm>
+          <a:prstGeom prst="roundRect">
+            <a:avLst/>
+          </a:prstGeom>
+          <a:solidFill>
+            <a:srgbClr val="CCCC00">
+              <a:alpha val="43922"/>
+            </a:srgbClr>
+          </a:solidFill>
+        </p:spPr>
+        <p:style>
+          <a:lnRef idx="2">
+            <a:schemeClr val="accent1">
+              <a:shade val="15000"/>
+            </a:schemeClr>
+          </a:lnRef>
+          <a:fillRef idx="1">
+            <a:schemeClr val="accent1"/>
+          </a:fillRef>
+          <a:effectRef idx="0">
+            <a:schemeClr val="accent1"/>
+          </a:effectRef>
+          <a:fontRef idx="minor">
+            <a:schemeClr val="lt1"/>
+          </a:fontRef>
+        </p:style>
+        <p:txBody>
+          <a:bodyPr rtlCol="0" anchor="ctr"/>
+          <a:lstStyle/>
+          <a:p>
+            <a:pPr algn="ctr"/>
+            <a:endParaRPr lang="en-IN" dirty="0"/>
+          </a:p>
+        </p:txBody>
+      </p:sp>
+      <p:sp>
+        <p:nvSpPr>
+          <p:cNvPr id="3" name="TextBox 2">
+            <a:extLst>
+              <a:ext uri="{FF2B5EF4-FFF2-40B4-BE49-F238E27FC236}">
+                <a16:creationId xmlns:a16="http://schemas.microsoft.com/office/drawing/2014/main" id="{D623D82C-3415-9736-5826-B202A7E58A1E}"/>
+              </a:ext>
+            </a:extLst>
+          </p:cNvPr>
+          <p:cNvSpPr txBox="1"/>
+          <p:nvPr/>
+        </p:nvSpPr>
+        <p:spPr>
+          <a:xfrm>
+            <a:off x="396475" y="1219439"/>
+            <a:ext cx="10162965" cy="923330"/>
+          </a:xfrm>
+          <a:prstGeom prst="rect">
+            <a:avLst/>
+          </a:prstGeom>
+          <a:noFill/>
+        </p:spPr>
+        <p:txBody>
+          <a:bodyPr wrap="square" rtlCol="0">
+            <a:spAutoFit/>
+          </a:bodyPr>
+          <a:lstStyle/>
+          <a:p>
+            <a:r>
+              <a:rPr lang="en-IN" dirty="0"/>
+              <a:t>We have used panda and </a:t>
+            </a:r>
+            <a:r>
+              <a:rPr lang="en-IN" dirty="0" err="1"/>
+              <a:t>numpy</a:t>
+            </a:r>
+            <a:r>
+              <a:rPr lang="en-IN" dirty="0"/>
+              <a:t>  for data cleaning refer </a:t>
+            </a:r>
+            <a:r>
+              <a:rPr lang="en-IN" dirty="0" err="1"/>
+              <a:t>Data_cleaning_fof</a:t>
+            </a:r>
+            <a:r>
+              <a:rPr lang="en-IN" dirty="0"/>
+              <a:t> </a:t>
+            </a:r>
+            <a:r>
+              <a:rPr lang="en-IN" dirty="0" err="1"/>
+              <a:t>lending_loan_case.ipynb</a:t>
+            </a:r>
+            <a:r>
+              <a:rPr lang="en-IN" dirty="0"/>
+              <a:t> file for info</a:t>
+            </a:r>
+          </a:p>
+          <a:p>
+            <a:endParaRPr lang="en-IN" dirty="0"/>
+          </a:p>
+        </p:txBody>
+      </p:sp>
+      <p:sp>
+        <p:nvSpPr>
+          <p:cNvPr id="6" name="TextBox 5">
+            <a:extLst>
+              <a:ext uri="{FF2B5EF4-FFF2-40B4-BE49-F238E27FC236}">
+                <a16:creationId xmlns:a16="http://schemas.microsoft.com/office/drawing/2014/main" id="{81A62490-0D30-BC43-0170-C12E0D9160DE}"/>
+              </a:ext>
+            </a:extLst>
+          </p:cNvPr>
+          <p:cNvSpPr txBox="1"/>
+          <p:nvPr/>
+        </p:nvSpPr>
+        <p:spPr>
+          <a:xfrm>
+            <a:off x="396475" y="1646202"/>
+            <a:ext cx="6677625" cy="646331"/>
+          </a:xfrm>
+          <a:prstGeom prst="rect">
+            <a:avLst/>
+          </a:prstGeom>
+          <a:noFill/>
+        </p:spPr>
+        <p:txBody>
+          <a:bodyPr wrap="square" rtlCol="0">
+            <a:spAutoFit/>
+          </a:bodyPr>
+          <a:lstStyle/>
+          <a:p>
+            <a:r>
+              <a:rPr lang="en-IN" dirty="0"/>
+              <a:t>Here are the null value detail:</a:t>
+            </a:r>
+          </a:p>
+          <a:p>
+            <a:endParaRPr lang="en-IN" dirty="0"/>
+          </a:p>
+        </p:txBody>
+      </p:sp>
+      <p:sp>
+        <p:nvSpPr>
+          <p:cNvPr id="10" name="Oval 9">
+            <a:extLst>
+              <a:ext uri="{FF2B5EF4-FFF2-40B4-BE49-F238E27FC236}">
+                <a16:creationId xmlns:a16="http://schemas.microsoft.com/office/drawing/2014/main" id="{0DB48B0A-B8A0-D8AC-78CC-A1BD2FE0A993}"/>
+              </a:ext>
+            </a:extLst>
+          </p:cNvPr>
+          <p:cNvSpPr/>
+          <p:nvPr/>
+        </p:nvSpPr>
+        <p:spPr>
+          <a:xfrm>
+            <a:off x="4140678" y="402566"/>
+            <a:ext cx="3422715" cy="667109"/>
+          </a:xfrm>
+          <a:prstGeom prst="ellipse">
+            <a:avLst/>
+          </a:prstGeom>
+        </p:spPr>
+        <p:style>
+          <a:lnRef idx="2">
+            <a:schemeClr val="accent1">
+              <a:shade val="15000"/>
+            </a:schemeClr>
+          </a:lnRef>
+          <a:fillRef idx="1">
+            <a:schemeClr val="accent1"/>
+          </a:fillRef>
+          <a:effectRef idx="0">
+            <a:schemeClr val="accent1"/>
+          </a:effectRef>
+          <a:fontRef idx="minor">
+            <a:schemeClr val="lt1"/>
+          </a:fontRef>
+        </p:style>
+        <p:txBody>
+          <a:bodyPr rtlCol="0" anchor="ctr"/>
+          <a:lstStyle/>
+          <a:p>
+            <a:pPr algn="ctr"/>
+            <a:endParaRPr lang="en-IN"/>
+          </a:p>
+        </p:txBody>
+      </p:sp>
+      <p:sp>
+        <p:nvSpPr>
+          <p:cNvPr id="12" name="TextBox 11">
+            <a:extLst>
+              <a:ext uri="{FF2B5EF4-FFF2-40B4-BE49-F238E27FC236}">
+                <a16:creationId xmlns:a16="http://schemas.microsoft.com/office/drawing/2014/main" id="{A4FC9B38-5EED-882E-4580-CC9D8947B1F8}"/>
+              </a:ext>
+            </a:extLst>
+          </p:cNvPr>
+          <p:cNvSpPr txBox="1"/>
+          <p:nvPr/>
+        </p:nvSpPr>
+        <p:spPr>
+          <a:xfrm>
+            <a:off x="4603733" y="567358"/>
+            <a:ext cx="2685691" cy="369332"/>
+          </a:xfrm>
+          <a:prstGeom prst="rect">
+            <a:avLst/>
+          </a:prstGeom>
+          <a:noFill/>
+        </p:spPr>
+        <p:txBody>
+          <a:bodyPr wrap="square" rtlCol="0">
+            <a:spAutoFit/>
+          </a:bodyPr>
+          <a:lstStyle/>
+          <a:p>
+            <a:r>
+              <a:rPr lang="en-IN" b="1" dirty="0">
+                <a:solidFill>
+                  <a:schemeClr val="bg1"/>
+                </a:solidFill>
+              </a:rPr>
+              <a:t>Data Cleaning process </a:t>
+            </a:r>
+          </a:p>
+        </p:txBody>
+      </p:sp>
+      <p:pic>
+        <p:nvPicPr>
+          <p:cNvPr id="8" name="Picture 7" descr="A bar code with blue and white text&#10;&#10;Description automatically generated">
+            <a:extLst>
+              <a:ext uri="{FF2B5EF4-FFF2-40B4-BE49-F238E27FC236}">
+                <a16:creationId xmlns:a16="http://schemas.microsoft.com/office/drawing/2014/main" id="{00354BD4-0C82-2480-06C3-2DBC11A8F5AF}"/>
+              </a:ext>
+            </a:extLst>
+          </p:cNvPr>
+          <p:cNvPicPr>
+            <a:picLocks noChangeAspect="1"/>
+          </p:cNvPicPr>
+          <p:nvPr/>
+        </p:nvPicPr>
+        <p:blipFill>
+          <a:blip r:embed="rId2"/>
+          <a:stretch>
+            <a:fillRect/>
+          </a:stretch>
+        </p:blipFill>
+        <p:spPr>
+          <a:xfrm>
+            <a:off x="379920" y="2142769"/>
+            <a:ext cx="10944229" cy="3731938"/>
+          </a:xfrm>
+          <a:prstGeom prst="rect">
+            <a:avLst/>
+          </a:prstGeom>
+        </p:spPr>
+      </p:pic>
+    </p:spTree>
+    <p:extLst>
+      <p:ext uri="{BB962C8B-B14F-4D97-AF65-F5344CB8AC3E}">
+        <p14:creationId xmlns:p14="http://schemas.microsoft.com/office/powerpoint/2010/main" val="4187332236"/>
+      </p:ext>
+    </p:extLst>
+  </p:cSld>
+  <p:clrMapOvr>
+    <a:masterClrMapping/>
+  </p:clrMapOvr>
+  <mc:AlternateContent xmlns:mc="http://schemas.openxmlformats.org/markup-compatibility/2006" xmlns:p14="http://schemas.microsoft.com/office/powerpoint/2010/main">
+    <mc:Choice Requires="p14">
+      <p:transition spd="slow">
+        <p14:flash/>
+      </p:transition>
+    </mc:Choice>
+    <mc:Fallback xmlns="">
+      <p:transition spd="slow">
+        <p:fade/>
+      </p:transition>
+    </mc:Fallback>
+  </mc:AlternateContent>
+  <p:timing>
+    <p:tnLst>
+      <p:par>
+        <p:cTn id="1" dur="indefinite" restart="never" nodeType="tmRoot">
+          <p:childTnLst>
+            <p:seq concurrent="1" nextAc="seek">
+              <p:cTn id="2" dur="indefinite" nodeType="mainSeq">
+                <p:childTnLst>
+                  <p:par>
+                    <p:cTn id="3" fill="hold">
+                      <p:stCondLst>
+                        <p:cond delay="indefinite"/>
+                      </p:stCondLst>
+                      <p:childTnLst>
+                        <p:par>
+                          <p:cTn id="4" fill="hold">
+                            <p:stCondLst>
+                              <p:cond delay="0"/>
+                            </p:stCondLst>
+                            <p:childTnLst>
+                              <p:par>
+                                <p:cTn id="5" presetID="22" presetClass="entr" presetSubtype="4" fill="hold" grpId="0" nodeType="clickEffect">
+                                  <p:stCondLst>
+                                    <p:cond delay="0"/>
+                                  </p:stCondLst>
+                                  <p:childTnLst>
+                                    <p:set>
+                                      <p:cBhvr>
+                                        <p:cTn id="6" dur="1" fill="hold">
+                                          <p:stCondLst>
+                                            <p:cond delay="0"/>
+                                          </p:stCondLst>
+                                        </p:cTn>
+                                        <p:tgtEl>
+                                          <p:spTgt spid="10"/>
+                                        </p:tgtEl>
+                                        <p:attrNameLst>
+                                          <p:attrName>style.visibility</p:attrName>
+                                        </p:attrNameLst>
+                                      </p:cBhvr>
+                                      <p:to>
+                                        <p:strVal val="visible"/>
+                                      </p:to>
+                                    </p:set>
+                                    <p:animEffect transition="in" filter="wipe(down)">
+                                      <p:cBhvr>
+                                        <p:cTn id="7" dur="500"/>
+                                        <p:tgtEl>
+                                          <p:spTgt spid="10"/>
+                                        </p:tgtEl>
+                                      </p:cBhvr>
+                                    </p:animEffect>
+                                  </p:childTnLst>
+                                </p:cTn>
+                              </p:par>
+                            </p:childTnLst>
+                          </p:cTn>
+                        </p:par>
+                      </p:childTnLst>
+                    </p:cTn>
+                  </p:par>
+                  <p:par>
+                    <p:cTn id="8" fill="hold">
+                      <p:stCondLst>
+                        <p:cond delay="indefinite"/>
+                      </p:stCondLst>
+                      <p:childTnLst>
+                        <p:par>
+                          <p:cTn id="9" fill="hold">
+                            <p:stCondLst>
+                              <p:cond delay="0"/>
+                            </p:stCondLst>
+                            <p:childTnLst>
+                              <p:par>
+                                <p:cTn id="10" presetID="6" presetClass="entr" presetSubtype="16" fill="hold" grpId="0" nodeType="clickEffect">
+                                  <p:stCondLst>
+                                    <p:cond delay="0"/>
+                                  </p:stCondLst>
+                                  <p:childTnLst>
+                                    <p:set>
+                                      <p:cBhvr>
+                                        <p:cTn id="11" dur="1" fill="hold">
+                                          <p:stCondLst>
+                                            <p:cond delay="0"/>
+                                          </p:stCondLst>
+                                        </p:cTn>
+                                        <p:tgtEl>
+                                          <p:spTgt spid="12"/>
+                                        </p:tgtEl>
+                                        <p:attrNameLst>
+                                          <p:attrName>style.visibility</p:attrName>
+                                        </p:attrNameLst>
+                                      </p:cBhvr>
+                                      <p:to>
+                                        <p:strVal val="visible"/>
+                                      </p:to>
+                                    </p:set>
+                                    <p:animEffect transition="in" filter="circle(in)">
+                                      <p:cBhvr>
+                                        <p:cTn id="12" dur="2000"/>
+                                        <p:tgtEl>
+                                          <p:spTgt spid="12"/>
+                                        </p:tgtEl>
+                                      </p:cBhvr>
+                                    </p:animEffect>
+                                  </p:childTnLst>
+                                </p:cTn>
+                              </p:par>
+                            </p:childTnLst>
+                          </p:cTn>
+                        </p:par>
+                      </p:childTnLst>
+                    </p:cTn>
+                  </p:par>
+                  <p:par>
+                    <p:cTn id="13" fill="hold">
+                      <p:stCondLst>
+                        <p:cond delay="indefinite"/>
+                      </p:stCondLst>
+                      <p:childTnLst>
+                        <p:par>
+                          <p:cTn id="14" fill="hold">
+                            <p:stCondLst>
+                              <p:cond delay="0"/>
+                            </p:stCondLst>
+                            <p:childTnLst>
+                              <p:par>
+                                <p:cTn id="15" presetID="2" presetClass="entr" presetSubtype="4" fill="hold" nodeType="clickEffect">
+                                  <p:stCondLst>
+                                    <p:cond delay="0"/>
+                                  </p:stCondLst>
+                                  <p:childTnLst>
+                                    <p:set>
+                                      <p:cBhvr>
+                                        <p:cTn id="16" dur="1" fill="hold">
+                                          <p:stCondLst>
+                                            <p:cond delay="0"/>
+                                          </p:stCondLst>
+                                        </p:cTn>
+                                        <p:tgtEl>
+                                          <p:spTgt spid="3">
+                                            <p:txEl>
+                                              <p:pRg st="0" end="0"/>
+                                            </p:txEl>
+                                          </p:spTgt>
+                                        </p:tgtEl>
+                                        <p:attrNameLst>
+                                          <p:attrName>style.visibility</p:attrName>
+                                        </p:attrNameLst>
+                                      </p:cBhvr>
+                                      <p:to>
+                                        <p:strVal val="visible"/>
+                                      </p:to>
+                                    </p:set>
+                                    <p:anim calcmode="lin" valueType="num">
+                                      <p:cBhvr additive="base">
+                                        <p:cTn id="17" dur="500" fill="hold"/>
+                                        <p:tgtEl>
+                                          <p:spTgt spid="3">
+                                            <p:txEl>
+                                              <p:pRg st="0" end="0"/>
+                                            </p:txEl>
+                                          </p:spTgt>
+                                        </p:tgtEl>
+                                        <p:attrNameLst>
+                                          <p:attrName>ppt_x</p:attrName>
+                                        </p:attrNameLst>
+                                      </p:cBhvr>
+                                      <p:tavLst>
+                                        <p:tav tm="0">
+                                          <p:val>
+                                            <p:strVal val="#ppt_x"/>
+                                          </p:val>
+                                        </p:tav>
+                                        <p:tav tm="100000">
+                                          <p:val>
+                                            <p:strVal val="#ppt_x"/>
+                                          </p:val>
+                                        </p:tav>
+                                      </p:tavLst>
+                                    </p:anim>
+                                    <p:anim calcmode="lin" valueType="num">
+                                      <p:cBhvr additive="base">
+                                        <p:cTn id="18" dur="500" fill="hold"/>
+                                        <p:tgtEl>
+                                          <p:spTgt spid="3">
+                                            <p:txEl>
+                                              <p:pRg st="0" end="0"/>
+                                            </p:txEl>
+                                          </p:spTgt>
+                                        </p:tgtEl>
+                                        <p:attrNameLst>
+                                          <p:attrName>ppt_y</p:attrName>
+                                        </p:attrNameLst>
+                                      </p:cBhvr>
+                                      <p:tavLst>
+                                        <p:tav tm="0">
+                                          <p:val>
+                                            <p:strVal val="1+#ppt_h/2"/>
+                                          </p:val>
+                                        </p:tav>
+                                        <p:tav tm="100000">
+                                          <p:val>
+                                            <p:strVal val="#ppt_y"/>
+                                          </p:val>
+                                        </p:tav>
+                                      </p:tavLst>
+                                    </p:anim>
+                                  </p:childTnLst>
+                                </p:cTn>
+                              </p:par>
+                            </p:childTnLst>
+                          </p:cTn>
+                        </p:par>
+                      </p:childTnLst>
+                    </p:cTn>
+                  </p:par>
+                  <p:par>
+                    <p:cTn id="19" fill="hold">
+                      <p:stCondLst>
+                        <p:cond delay="indefinite"/>
+                      </p:stCondLst>
+                      <p:childTnLst>
+                        <p:par>
+                          <p:cTn id="20" fill="hold">
+                            <p:stCondLst>
+                              <p:cond delay="0"/>
+                            </p:stCondLst>
+                            <p:childTnLst>
+                              <p:par>
+                                <p:cTn id="21" presetID="42" presetClass="entr" presetSubtype="0" fill="hold" grpId="0" nodeType="clickEffect">
+                                  <p:stCondLst>
+                                    <p:cond delay="0"/>
+                                  </p:stCondLst>
+                                  <p:childTnLst>
+                                    <p:set>
+                                      <p:cBhvr>
+                                        <p:cTn id="22" dur="1" fill="hold">
+                                          <p:stCondLst>
+                                            <p:cond delay="0"/>
+                                          </p:stCondLst>
+                                        </p:cTn>
+                                        <p:tgtEl>
+                                          <p:spTgt spid="6"/>
+                                        </p:tgtEl>
+                                        <p:attrNameLst>
+                                          <p:attrName>style.visibility</p:attrName>
+                                        </p:attrNameLst>
+                                      </p:cBhvr>
+                                      <p:to>
+                                        <p:strVal val="visible"/>
+                                      </p:to>
+                                    </p:set>
+                                    <p:animEffect transition="in" filter="fade">
+                                      <p:cBhvr>
+                                        <p:cTn id="23" dur="1000"/>
+                                        <p:tgtEl>
+                                          <p:spTgt spid="6"/>
+                                        </p:tgtEl>
+                                      </p:cBhvr>
+                                    </p:animEffect>
+                                    <p:anim calcmode="lin" valueType="num">
+                                      <p:cBhvr>
+                                        <p:cTn id="24" dur="1000" fill="hold"/>
+                                        <p:tgtEl>
+                                          <p:spTgt spid="6"/>
+                                        </p:tgtEl>
+                                        <p:attrNameLst>
+                                          <p:attrName>ppt_x</p:attrName>
+                                        </p:attrNameLst>
+                                      </p:cBhvr>
+                                      <p:tavLst>
+                                        <p:tav tm="0">
+                                          <p:val>
+                                            <p:strVal val="#ppt_x"/>
+                                          </p:val>
+                                        </p:tav>
+                                        <p:tav tm="100000">
+                                          <p:val>
+                                            <p:strVal val="#ppt_x"/>
+                                          </p:val>
+                                        </p:tav>
+                                      </p:tavLst>
+                                    </p:anim>
+                                    <p:anim calcmode="lin" valueType="num">
+                                      <p:cBhvr>
+                                        <p:cTn id="25" dur="1000" fill="hold"/>
+                                        <p:tgtEl>
+                                          <p:spTgt spid="6"/>
+                                        </p:tgtEl>
+                                        <p:attrNameLst>
+                                          <p:attrName>ppt_y</p:attrName>
+                                        </p:attrNameLst>
+                                      </p:cBhvr>
+                                      <p:tavLst>
+                                        <p:tav tm="0">
+                                          <p:val>
+                                            <p:strVal val="#ppt_y+.1"/>
+                                          </p:val>
+                                        </p:tav>
+                                        <p:tav tm="100000">
+                                          <p:val>
+                                            <p:strVal val="#ppt_y"/>
+                                          </p:val>
+                                        </p:tav>
+                                      </p:tavLst>
+                                    </p:anim>
+                                  </p:childTnLst>
+                                </p:cTn>
+                              </p:par>
+                            </p:childTnLst>
+                          </p:cTn>
+                        </p:par>
+                      </p:childTnLst>
+                    </p:cTn>
+                  </p:par>
+                </p:childTnLst>
+              </p:cTn>
+              <p:prevCondLst>
+                <p:cond evt="onPrev" delay="0">
+                  <p:tgtEl>
+                    <p:sldTgt/>
+                  </p:tgtEl>
+                </p:cond>
+              </p:prevCondLst>
+              <p:nextCondLst>
+                <p:cond evt="onNext" delay="0">
+                  <p:tgtEl>
+                    <p:sldTgt/>
+                  </p:tgtEl>
+                </p:cond>
+              </p:nextCondLst>
+            </p:seq>
+          </p:childTnLst>
+        </p:cTn>
+      </p:par>
+    </p:tnLst>
+    <p:bldLst>
+      <p:bldP spid="6" grpId="0"/>
+      <p:bldP spid="10" grpId="0" animBg="1"/>
+      <p:bldP spid="12" grpId="0"/>
+    </p:bldLst>
+  </p:timing>
+</p:sld>
+</file>
+
+<file path=ppt/slides/slide4.xml><?xml version="1.0" encoding="utf-8"?>
+<p:sld xmlns:a="http://schemas.openxmlformats.org/drawingml/2006/main" xmlns:r="http://schemas.openxmlformats.org/officeDocument/2006/relationships" xmlns:p="http://schemas.openxmlformats.org/presentationml/2006/main">
+  <p:cSld>
+    <p:spTree>
+      <p:nvGrpSpPr>
+        <p:cNvPr id="1" name=""/>
+        <p:cNvGrpSpPr/>
+        <p:nvPr/>
+      </p:nvGrpSpPr>
+      <p:grpSpPr>
+        <a:xfrm>
+          <a:off x="0" y="0"/>
+          <a:ext cx="0" cy="0"/>
+          <a:chOff x="0" y="0"/>
+          <a:chExt cx="0" cy="0"/>
+        </a:xfrm>
+      </p:grpSpPr>
+      <p:sp>
+        <p:nvSpPr>
+          <p:cNvPr id="9" name="Rectangle: Rounded Corners 8">
+            <a:extLst>
+              <a:ext uri="{FF2B5EF4-FFF2-40B4-BE49-F238E27FC236}">
+                <a16:creationId xmlns:a16="http://schemas.microsoft.com/office/drawing/2014/main" id="{0CC9C4CF-AA25-40BA-611F-48AA90E53C89}"/>
+              </a:ext>
+            </a:extLst>
+          </p:cNvPr>
+          <p:cNvSpPr/>
+          <p:nvPr/>
+        </p:nvSpPr>
+        <p:spPr>
+          <a:xfrm>
+            <a:off x="110756" y="305255"/>
+            <a:ext cx="11573671" cy="5744815"/>
+          </a:xfrm>
+          <a:prstGeom prst="roundRect">
+            <a:avLst/>
+          </a:prstGeom>
+          <a:solidFill>
+            <a:srgbClr val="CCCC00">
+              <a:alpha val="43922"/>
+            </a:srgbClr>
+          </a:solidFill>
+        </p:spPr>
+        <p:style>
+          <a:lnRef idx="2">
+            <a:schemeClr val="accent1">
+              <a:shade val="15000"/>
+            </a:schemeClr>
+          </a:lnRef>
+          <a:fillRef idx="1">
+            <a:schemeClr val="accent1"/>
+          </a:fillRef>
+          <a:effectRef idx="0">
+            <a:schemeClr val="accent1"/>
+          </a:effectRef>
+          <a:fontRef idx="minor">
+            <a:schemeClr val="lt1"/>
+          </a:fontRef>
+        </p:style>
+        <p:txBody>
+          <a:bodyPr rtlCol="0" anchor="ctr"/>
+          <a:lstStyle/>
+          <a:p>
+            <a:pPr algn="ctr"/>
+            <a:endParaRPr lang="en-IN" dirty="0"/>
+          </a:p>
+        </p:txBody>
+      </p:sp>
+      <p:sp>
+        <p:nvSpPr>
+          <p:cNvPr id="2" name="TextBox 1">
+            <a:extLst>
+              <a:ext uri="{FF2B5EF4-FFF2-40B4-BE49-F238E27FC236}">
+                <a16:creationId xmlns:a16="http://schemas.microsoft.com/office/drawing/2014/main" id="{74E668F2-6073-4A60-0BF8-AD33AFF2AA82}"/>
+              </a:ext>
+            </a:extLst>
+          </p:cNvPr>
+          <p:cNvSpPr txBox="1"/>
+          <p:nvPr/>
+        </p:nvSpPr>
+        <p:spPr>
+          <a:xfrm>
+            <a:off x="507573" y="1212708"/>
+            <a:ext cx="3088257" cy="369332"/>
+          </a:xfrm>
+          <a:prstGeom prst="rect">
+            <a:avLst/>
+          </a:prstGeom>
+          <a:noFill/>
+        </p:spPr>
+        <p:txBody>
+          <a:bodyPr wrap="square" rtlCol="0">
+            <a:spAutoFit/>
+          </a:bodyPr>
+          <a:lstStyle/>
+          <a:p>
+            <a:r>
+              <a:rPr lang="en-IN" b="1" dirty="0"/>
+              <a:t>We have categorize data</a:t>
+            </a:r>
+            <a:endParaRPr lang="en-IN" dirty="0"/>
+          </a:p>
+        </p:txBody>
+      </p:sp>
+      <p:sp>
+        <p:nvSpPr>
+          <p:cNvPr id="6" name="TextBox 5">
+            <a:extLst>
+              <a:ext uri="{FF2B5EF4-FFF2-40B4-BE49-F238E27FC236}">
+                <a16:creationId xmlns:a16="http://schemas.microsoft.com/office/drawing/2014/main" id="{81A62490-0D30-BC43-0170-C12E0D9160DE}"/>
+              </a:ext>
+            </a:extLst>
+          </p:cNvPr>
+          <p:cNvSpPr txBox="1"/>
+          <p:nvPr/>
+        </p:nvSpPr>
+        <p:spPr>
+          <a:xfrm>
+            <a:off x="692597" y="1571287"/>
+            <a:ext cx="6677625" cy="369332"/>
+          </a:xfrm>
+          <a:prstGeom prst="rect">
+            <a:avLst/>
+          </a:prstGeom>
+          <a:noFill/>
+        </p:spPr>
+        <p:txBody>
+          <a:bodyPr wrap="square" rtlCol="0">
+            <a:spAutoFit/>
+          </a:bodyPr>
+          <a:lstStyle/>
+          <a:p>
+            <a:r>
+              <a:rPr lang="en-IN" dirty="0"/>
+              <a:t>Using Numerical columns</a:t>
+            </a:r>
+          </a:p>
+        </p:txBody>
+      </p:sp>
+      <p:sp>
+        <p:nvSpPr>
+          <p:cNvPr id="10" name="Oval 9">
+            <a:extLst>
+              <a:ext uri="{FF2B5EF4-FFF2-40B4-BE49-F238E27FC236}">
+                <a16:creationId xmlns:a16="http://schemas.microsoft.com/office/drawing/2014/main" id="{0DB48B0A-B8A0-D8AC-78CC-A1BD2FE0A993}"/>
+              </a:ext>
+            </a:extLst>
+          </p:cNvPr>
+          <p:cNvSpPr/>
+          <p:nvPr/>
+        </p:nvSpPr>
+        <p:spPr>
+          <a:xfrm>
+            <a:off x="4140678" y="402566"/>
+            <a:ext cx="3422715" cy="667109"/>
+          </a:xfrm>
+          <a:prstGeom prst="ellipse">
+            <a:avLst/>
+          </a:prstGeom>
+        </p:spPr>
+        <p:style>
+          <a:lnRef idx="2">
+            <a:schemeClr val="accent1">
+              <a:shade val="15000"/>
+            </a:schemeClr>
+          </a:lnRef>
+          <a:fillRef idx="1">
+            <a:schemeClr val="accent1"/>
+          </a:fillRef>
+          <a:effectRef idx="0">
+            <a:schemeClr val="accent1"/>
+          </a:effectRef>
+          <a:fontRef idx="minor">
+            <a:schemeClr val="lt1"/>
+          </a:fontRef>
+        </p:style>
+        <p:txBody>
+          <a:bodyPr rtlCol="0" anchor="ctr"/>
+          <a:lstStyle/>
+          <a:p>
+            <a:pPr algn="ctr"/>
+            <a:endParaRPr lang="en-IN"/>
+          </a:p>
+        </p:txBody>
+      </p:sp>
+      <p:sp>
+        <p:nvSpPr>
+          <p:cNvPr id="12" name="TextBox 11">
+            <a:extLst>
+              <a:ext uri="{FF2B5EF4-FFF2-40B4-BE49-F238E27FC236}">
+                <a16:creationId xmlns:a16="http://schemas.microsoft.com/office/drawing/2014/main" id="{A4FC9B38-5EED-882E-4580-CC9D8947B1F8}"/>
+              </a:ext>
+            </a:extLst>
+          </p:cNvPr>
+          <p:cNvSpPr txBox="1"/>
+          <p:nvPr/>
+        </p:nvSpPr>
+        <p:spPr>
+          <a:xfrm>
+            <a:off x="4603733" y="567358"/>
+            <a:ext cx="2685691" cy="369332"/>
+          </a:xfrm>
+          <a:prstGeom prst="rect">
+            <a:avLst/>
+          </a:prstGeom>
+          <a:noFill/>
+        </p:spPr>
+        <p:txBody>
+          <a:bodyPr wrap="square" rtlCol="0">
+            <a:spAutoFit/>
+          </a:bodyPr>
+          <a:lstStyle/>
+          <a:p>
+            <a:r>
+              <a:rPr lang="en-IN" b="1" dirty="0">
+                <a:solidFill>
+                  <a:schemeClr val="bg1"/>
+                </a:solidFill>
+              </a:rPr>
+              <a:t>Categorizing data </a:t>
+            </a:r>
+          </a:p>
+        </p:txBody>
+      </p:sp>
+      <p:pic>
+        <p:nvPicPr>
+          <p:cNvPr id="13" name="Picture 12" descr="A screenshot of a calculator&#10;&#10;Description automatically generated">
+            <a:extLst>
+              <a:ext uri="{FF2B5EF4-FFF2-40B4-BE49-F238E27FC236}">
+                <a16:creationId xmlns:a16="http://schemas.microsoft.com/office/drawing/2014/main" id="{7DA5913C-3FA1-E693-B4B3-D767AD998360}"/>
+              </a:ext>
+            </a:extLst>
+          </p:cNvPr>
+          <p:cNvPicPr>
+            <a:picLocks noChangeAspect="1"/>
+          </p:cNvPicPr>
+          <p:nvPr/>
+        </p:nvPicPr>
+        <p:blipFill>
+          <a:blip r:embed="rId2"/>
+          <a:stretch>
+            <a:fillRect/>
+          </a:stretch>
+        </p:blipFill>
+        <p:spPr>
+          <a:xfrm>
+            <a:off x="342180" y="2083652"/>
+            <a:ext cx="7772400" cy="1989841"/>
+          </a:xfrm>
+          <a:prstGeom prst="rect">
+            <a:avLst/>
+          </a:prstGeom>
+        </p:spPr>
+      </p:pic>
+      <p:pic>
+        <p:nvPicPr>
+          <p:cNvPr id="15" name="Picture 14" descr="A screenshot of a computer&#10;&#10;Description automatically generated">
+            <a:extLst>
+              <a:ext uri="{FF2B5EF4-FFF2-40B4-BE49-F238E27FC236}">
+                <a16:creationId xmlns:a16="http://schemas.microsoft.com/office/drawing/2014/main" id="{B423F0CE-3952-4671-944D-D4E63C26C678}"/>
+              </a:ext>
+            </a:extLst>
+          </p:cNvPr>
+          <p:cNvPicPr>
+            <a:picLocks noChangeAspect="1"/>
+          </p:cNvPicPr>
+          <p:nvPr/>
+        </p:nvPicPr>
+        <p:blipFill>
+          <a:blip r:embed="rId3"/>
+          <a:stretch>
+            <a:fillRect/>
+          </a:stretch>
+        </p:blipFill>
+        <p:spPr>
+          <a:xfrm>
+            <a:off x="407365" y="4373598"/>
+            <a:ext cx="7772400" cy="1402691"/>
+          </a:xfrm>
+          <a:prstGeom prst="rect">
+            <a:avLst/>
+          </a:prstGeom>
+        </p:spPr>
+      </p:pic>
+      <p:sp>
+        <p:nvSpPr>
+          <p:cNvPr id="16" name="TextBox 15">
+            <a:extLst>
+              <a:ext uri="{FF2B5EF4-FFF2-40B4-BE49-F238E27FC236}">
+                <a16:creationId xmlns:a16="http://schemas.microsoft.com/office/drawing/2014/main" id="{1D538D19-C298-73D4-BC2C-CBA723CE1EC8}"/>
+              </a:ext>
+            </a:extLst>
+          </p:cNvPr>
+          <p:cNvSpPr txBox="1"/>
+          <p:nvPr/>
+        </p:nvSpPr>
+        <p:spPr>
+          <a:xfrm>
+            <a:off x="561692" y="4062981"/>
+            <a:ext cx="6677625" cy="369332"/>
+          </a:xfrm>
+          <a:prstGeom prst="rect">
+            <a:avLst/>
+          </a:prstGeom>
+          <a:noFill/>
+        </p:spPr>
+        <p:txBody>
+          <a:bodyPr wrap="square" rtlCol="0">
+            <a:spAutoFit/>
+          </a:bodyPr>
+          <a:lstStyle/>
+          <a:p>
+            <a:r>
+              <a:rPr lang="en-IN" dirty="0"/>
+              <a:t>Using Object type  columns</a:t>
+            </a:r>
+          </a:p>
+        </p:txBody>
+      </p:sp>
+      <p:pic>
+        <p:nvPicPr>
+          <p:cNvPr id="18" name="Picture 17" descr="A graph of a graph of a graph of a graph of a graph of a graph of a graph of a graph of a graph of a graph of a graph of a graph of a graph of&#10;&#10;Description automatically generated">
+            <a:extLst>
+              <a:ext uri="{FF2B5EF4-FFF2-40B4-BE49-F238E27FC236}">
+                <a16:creationId xmlns:a16="http://schemas.microsoft.com/office/drawing/2014/main" id="{F4AC29AD-00DA-67D8-655D-851DC720FDEC}"/>
+              </a:ext>
+            </a:extLst>
+          </p:cNvPr>
+          <p:cNvPicPr>
+            <a:picLocks noChangeAspect="1"/>
+          </p:cNvPicPr>
+          <p:nvPr/>
+        </p:nvPicPr>
+        <p:blipFill>
+          <a:blip r:embed="rId4"/>
+          <a:stretch>
+            <a:fillRect/>
+          </a:stretch>
+        </p:blipFill>
+        <p:spPr>
+          <a:xfrm>
+            <a:off x="8268907" y="2083652"/>
+            <a:ext cx="3250387" cy="3236744"/>
+          </a:xfrm>
+          <a:prstGeom prst="rect">
+            <a:avLst/>
+          </a:prstGeom>
+        </p:spPr>
+      </p:pic>
+      <p:sp>
+        <p:nvSpPr>
+          <p:cNvPr id="19" name="TextBox 18">
+            <a:extLst>
+              <a:ext uri="{FF2B5EF4-FFF2-40B4-BE49-F238E27FC236}">
+                <a16:creationId xmlns:a16="http://schemas.microsoft.com/office/drawing/2014/main" id="{7563E021-6CD3-402E-2ADF-BE334D20DE80}"/>
+              </a:ext>
+            </a:extLst>
+          </p:cNvPr>
+          <p:cNvSpPr txBox="1"/>
+          <p:nvPr/>
+        </p:nvSpPr>
+        <p:spPr>
+          <a:xfrm>
+            <a:off x="8268907" y="5406957"/>
+            <a:ext cx="6677625" cy="369332"/>
+          </a:xfrm>
+          <a:prstGeom prst="rect">
+            <a:avLst/>
+          </a:prstGeom>
+          <a:noFill/>
+        </p:spPr>
+        <p:txBody>
+          <a:bodyPr wrap="square" rtlCol="0">
+            <a:spAutoFit/>
+          </a:bodyPr>
+          <a:lstStyle/>
+          <a:p>
+            <a:r>
+              <a:rPr lang="en-IN" dirty="0"/>
+              <a:t>Instalment count rough graph </a:t>
+            </a:r>
+          </a:p>
+        </p:txBody>
+      </p:sp>
+    </p:spTree>
+    <p:extLst>
+      <p:ext uri="{BB962C8B-B14F-4D97-AF65-F5344CB8AC3E}">
+        <p14:creationId xmlns:p14="http://schemas.microsoft.com/office/powerpoint/2010/main" val="4269018495"/>
+      </p:ext>
+    </p:extLst>
+  </p:cSld>
+  <p:clrMapOvr>
+    <a:masterClrMapping/>
+  </p:clrMapOvr>
+  <mc:AlternateContent xmlns:mc="http://schemas.openxmlformats.org/markup-compatibility/2006" xmlns:p14="http://schemas.microsoft.com/office/powerpoint/2010/main">
+    <mc:Choice Requires="p14">
+      <p:transition spd="slow">
+        <p14:flash/>
+      </p:transition>
+    </mc:Choice>
+    <mc:Fallback xmlns="">
+      <p:transition spd="slow">
+        <p:fade/>
+      </p:transition>
+    </mc:Fallback>
+  </mc:AlternateContent>
+  <p:timing>
+    <p:tnLst>
+      <p:par>
+        <p:cTn id="1" dur="indefinite" restart="never" nodeType="tmRoot">
+          <p:childTnLst>
+            <p:seq concurrent="1" nextAc="seek">
+              <p:cTn id="2" dur="indefinite" nodeType="mainSeq">
+                <p:childTnLst>
+                  <p:par>
+                    <p:cTn id="3" fill="hold">
+                      <p:stCondLst>
+                        <p:cond delay="indefinite"/>
+                      </p:stCondLst>
+                      <p:childTnLst>
+                        <p:par>
+                          <p:cTn id="4" fill="hold">
+                            <p:stCondLst>
+                              <p:cond delay="0"/>
+                            </p:stCondLst>
+                            <p:childTnLst>
+                              <p:par>
+                                <p:cTn id="5" presetID="22" presetClass="entr" presetSubtype="4" fill="hold" grpId="0" nodeType="clickEffect">
+                                  <p:stCondLst>
+                                    <p:cond delay="0"/>
+                                  </p:stCondLst>
+                                  <p:childTnLst>
+                                    <p:set>
+                                      <p:cBhvr>
+                                        <p:cTn id="6" dur="1" fill="hold">
+                                          <p:stCondLst>
+                                            <p:cond delay="0"/>
+                                          </p:stCondLst>
+                                        </p:cTn>
+                                        <p:tgtEl>
+                                          <p:spTgt spid="10"/>
+                                        </p:tgtEl>
+                                        <p:attrNameLst>
+                                          <p:attrName>style.visibility</p:attrName>
+                                        </p:attrNameLst>
+                                      </p:cBhvr>
+                                      <p:to>
+                                        <p:strVal val="visible"/>
+                                      </p:to>
+                                    </p:set>
+                                    <p:animEffect transition="in" filter="wipe(down)">
+                                      <p:cBhvr>
+                                        <p:cTn id="7" dur="500"/>
+                                        <p:tgtEl>
+                                          <p:spTgt spid="10"/>
+                                        </p:tgtEl>
+                                      </p:cBhvr>
+                                    </p:animEffect>
+                                  </p:childTnLst>
+                                </p:cTn>
+                              </p:par>
+                            </p:childTnLst>
+                          </p:cTn>
+                        </p:par>
+                      </p:childTnLst>
+                    </p:cTn>
+                  </p:par>
+                  <p:par>
+                    <p:cTn id="8" fill="hold">
+                      <p:stCondLst>
+                        <p:cond delay="indefinite"/>
+                      </p:stCondLst>
+                      <p:childTnLst>
+                        <p:par>
+                          <p:cTn id="9" fill="hold">
+                            <p:stCondLst>
+                              <p:cond delay="0"/>
+                            </p:stCondLst>
+                            <p:childTnLst>
+                              <p:par>
+                                <p:cTn id="10" presetID="6" presetClass="entr" presetSubtype="16" fill="hold" grpId="0" nodeType="clickEffect">
+                                  <p:stCondLst>
+                                    <p:cond delay="0"/>
+                                  </p:stCondLst>
+                                  <p:childTnLst>
+                                    <p:set>
+                                      <p:cBhvr>
+                                        <p:cTn id="11" dur="1" fill="hold">
+                                          <p:stCondLst>
+                                            <p:cond delay="0"/>
+                                          </p:stCondLst>
+                                        </p:cTn>
+                                        <p:tgtEl>
+                                          <p:spTgt spid="12"/>
+                                        </p:tgtEl>
+                                        <p:attrNameLst>
+                                          <p:attrName>style.visibility</p:attrName>
+                                        </p:attrNameLst>
+                                      </p:cBhvr>
+                                      <p:to>
+                                        <p:strVal val="visible"/>
+                                      </p:to>
+                                    </p:set>
+                                    <p:animEffect transition="in" filter="circle(in)">
+                                      <p:cBhvr>
+                                        <p:cTn id="12" dur="2000"/>
+                                        <p:tgtEl>
+                                          <p:spTgt spid="12"/>
+                                        </p:tgtEl>
+                                      </p:cBhvr>
+                                    </p:animEffect>
+                                  </p:childTnLst>
+                                </p:cTn>
+                              </p:par>
+                            </p:childTnLst>
+                          </p:cTn>
+                        </p:par>
+                      </p:childTnLst>
+                    </p:cTn>
+                  </p:par>
+                  <p:par>
+                    <p:cTn id="13" fill="hold">
+                      <p:stCondLst>
+                        <p:cond delay="indefinite"/>
+                      </p:stCondLst>
+                      <p:childTnLst>
+                        <p:par>
+                          <p:cTn id="14" fill="hold">
+                            <p:stCondLst>
+                              <p:cond delay="0"/>
+                            </p:stCondLst>
+                            <p:childTnLst>
+                              <p:par>
+                                <p:cTn id="15" presetID="2" presetClass="entr" presetSubtype="4" fill="hold" grpId="0" nodeType="clickEffect">
+                                  <p:stCondLst>
+                                    <p:cond delay="0"/>
+                                  </p:stCondLst>
+                                  <p:childTnLst>
+                                    <p:set>
+                                      <p:cBhvr>
+                                        <p:cTn id="16" dur="1" fill="hold">
+                                          <p:stCondLst>
+                                            <p:cond delay="0"/>
+                                          </p:stCondLst>
+                                        </p:cTn>
+                                        <p:tgtEl>
+                                          <p:spTgt spid="2"/>
+                                        </p:tgtEl>
+                                        <p:attrNameLst>
+                                          <p:attrName>style.visibility</p:attrName>
+                                        </p:attrNameLst>
+                                      </p:cBhvr>
+                                      <p:to>
+                                        <p:strVal val="visible"/>
+                                      </p:to>
+                                    </p:set>
+                                    <p:anim calcmode="lin" valueType="num">
+                                      <p:cBhvr additive="base">
+                                        <p:cTn id="17" dur="500" fill="hold"/>
+                                        <p:tgtEl>
+                                          <p:spTgt spid="2"/>
+                                        </p:tgtEl>
+                                        <p:attrNameLst>
+                                          <p:attrName>ppt_x</p:attrName>
+                                        </p:attrNameLst>
+                                      </p:cBhvr>
+                                      <p:tavLst>
+                                        <p:tav tm="0">
+                                          <p:val>
+                                            <p:strVal val="#ppt_x"/>
+                                          </p:val>
+                                        </p:tav>
+                                        <p:tav tm="100000">
+                                          <p:val>
+                                            <p:strVal val="#ppt_x"/>
+                                          </p:val>
+                                        </p:tav>
+                                      </p:tavLst>
+                                    </p:anim>
+                                    <p:anim calcmode="lin" valueType="num">
+                                      <p:cBhvr additive="base">
+                                        <p:cTn id="18" dur="500" fill="hold"/>
+                                        <p:tgtEl>
+                                          <p:spTgt spid="2"/>
+                                        </p:tgtEl>
+                                        <p:attrNameLst>
+                                          <p:attrName>ppt_y</p:attrName>
+                                        </p:attrNameLst>
+                                      </p:cBhvr>
+                                      <p:tavLst>
+                                        <p:tav tm="0">
+                                          <p:val>
+                                            <p:strVal val="1+#ppt_h/2"/>
+                                          </p:val>
+                                        </p:tav>
+                                        <p:tav tm="100000">
+                                          <p:val>
+                                            <p:strVal val="#ppt_y"/>
+                                          </p:val>
+                                        </p:tav>
+                                      </p:tavLst>
+                                    </p:anim>
+                                  </p:childTnLst>
+                                </p:cTn>
+                              </p:par>
+                            </p:childTnLst>
+                          </p:cTn>
+                        </p:par>
+                      </p:childTnLst>
+                    </p:cTn>
+                  </p:par>
+                  <p:par>
+                    <p:cTn id="19" fill="hold">
+                      <p:stCondLst>
+                        <p:cond delay="indefinite"/>
+                      </p:stCondLst>
+                      <p:childTnLst>
+                        <p:par>
+                          <p:cTn id="20" fill="hold">
+                            <p:stCondLst>
+                              <p:cond delay="0"/>
+                            </p:stCondLst>
+                            <p:childTnLst>
+                              <p:par>
+                                <p:cTn id="21" presetID="42" presetClass="entr" presetSubtype="0" fill="hold" grpId="0" nodeType="clickEffect">
+                                  <p:stCondLst>
+                                    <p:cond delay="0"/>
+                                  </p:stCondLst>
+                                  <p:childTnLst>
+                                    <p:set>
+                                      <p:cBhvr>
+                                        <p:cTn id="22" dur="1" fill="hold">
+                                          <p:stCondLst>
+                                            <p:cond delay="0"/>
+                                          </p:stCondLst>
+                                        </p:cTn>
+                                        <p:tgtEl>
+                                          <p:spTgt spid="6"/>
+                                        </p:tgtEl>
+                                        <p:attrNameLst>
+                                          <p:attrName>style.visibility</p:attrName>
+                                        </p:attrNameLst>
+                                      </p:cBhvr>
+                                      <p:to>
+                                        <p:strVal val="visible"/>
+                                      </p:to>
+                                    </p:set>
+                                    <p:animEffect transition="in" filter="fade">
+                                      <p:cBhvr>
+                                        <p:cTn id="23" dur="1000"/>
+                                        <p:tgtEl>
+                                          <p:spTgt spid="6"/>
+                                        </p:tgtEl>
+                                      </p:cBhvr>
+                                    </p:animEffect>
+                                    <p:anim calcmode="lin" valueType="num">
+                                      <p:cBhvr>
+                                        <p:cTn id="24" dur="1000" fill="hold"/>
+                                        <p:tgtEl>
+                                          <p:spTgt spid="6"/>
+                                        </p:tgtEl>
+                                        <p:attrNameLst>
+                                          <p:attrName>ppt_x</p:attrName>
+                                        </p:attrNameLst>
+                                      </p:cBhvr>
+                                      <p:tavLst>
+                                        <p:tav tm="0">
+                                          <p:val>
+                                            <p:strVal val="#ppt_x"/>
+                                          </p:val>
+                                        </p:tav>
+                                        <p:tav tm="100000">
+                                          <p:val>
+                                            <p:strVal val="#ppt_x"/>
+                                          </p:val>
+                                        </p:tav>
+                                      </p:tavLst>
+                                    </p:anim>
+                                    <p:anim calcmode="lin" valueType="num">
+                                      <p:cBhvr>
+                                        <p:cTn id="25" dur="1000" fill="hold"/>
+                                        <p:tgtEl>
+                                          <p:spTgt spid="6"/>
+                                        </p:tgtEl>
+                                        <p:attrNameLst>
+                                          <p:attrName>ppt_y</p:attrName>
+                                        </p:attrNameLst>
+                                      </p:cBhvr>
+                                      <p:tavLst>
+                                        <p:tav tm="0">
+                                          <p:val>
+                                            <p:strVal val="#ppt_y+.1"/>
+                                          </p:val>
+                                        </p:tav>
+                                        <p:tav tm="100000">
+                                          <p:val>
+                                            <p:strVal val="#ppt_y"/>
+                                          </p:val>
+                                        </p:tav>
+                                      </p:tavLst>
+                                    </p:anim>
+                                  </p:childTnLst>
+                                </p:cTn>
+                              </p:par>
+                            </p:childTnLst>
+                          </p:cTn>
+                        </p:par>
+                      </p:childTnLst>
+                    </p:cTn>
+                  </p:par>
+                  <p:par>
+                    <p:cTn id="26" fill="hold">
+                      <p:stCondLst>
+                        <p:cond delay="indefinite"/>
+                      </p:stCondLst>
+                      <p:childTnLst>
+                        <p:par>
+                          <p:cTn id="27" fill="hold">
+                            <p:stCondLst>
+                              <p:cond delay="0"/>
+                            </p:stCondLst>
+                            <p:childTnLst>
+                              <p:par>
+                                <p:cTn id="28" presetID="42" presetClass="entr" presetSubtype="0" fill="hold" grpId="0" nodeType="clickEffect">
+                                  <p:stCondLst>
+                                    <p:cond delay="0"/>
+                                  </p:stCondLst>
+                                  <p:childTnLst>
+                                    <p:set>
+                                      <p:cBhvr>
+                                        <p:cTn id="29" dur="1" fill="hold">
+                                          <p:stCondLst>
+                                            <p:cond delay="0"/>
+                                          </p:stCondLst>
+                                        </p:cTn>
+                                        <p:tgtEl>
+                                          <p:spTgt spid="16"/>
+                                        </p:tgtEl>
+                                        <p:attrNameLst>
+                                          <p:attrName>style.visibility</p:attrName>
+                                        </p:attrNameLst>
+                                      </p:cBhvr>
+                                      <p:to>
+                                        <p:strVal val="visible"/>
+                                      </p:to>
+                                    </p:set>
+                                    <p:animEffect transition="in" filter="fade">
+                                      <p:cBhvr>
+                                        <p:cTn id="30" dur="1000"/>
+                                        <p:tgtEl>
+                                          <p:spTgt spid="16"/>
+                                        </p:tgtEl>
+                                      </p:cBhvr>
+                                    </p:animEffect>
+                                    <p:anim calcmode="lin" valueType="num">
+                                      <p:cBhvr>
+                                        <p:cTn id="31" dur="1000" fill="hold"/>
+                                        <p:tgtEl>
+                                          <p:spTgt spid="16"/>
+                                        </p:tgtEl>
+                                        <p:attrNameLst>
+                                          <p:attrName>ppt_x</p:attrName>
+                                        </p:attrNameLst>
+                                      </p:cBhvr>
+                                      <p:tavLst>
+                                        <p:tav tm="0">
+                                          <p:val>
+                                            <p:strVal val="#ppt_x"/>
+                                          </p:val>
+                                        </p:tav>
+                                        <p:tav tm="100000">
+                                          <p:val>
+                                            <p:strVal val="#ppt_x"/>
+                                          </p:val>
+                                        </p:tav>
+                                      </p:tavLst>
+                                    </p:anim>
+                                    <p:anim calcmode="lin" valueType="num">
+                                      <p:cBhvr>
+                                        <p:cTn id="32" dur="1000" fill="hold"/>
+                                        <p:tgtEl>
+                                          <p:spTgt spid="16"/>
+                                        </p:tgtEl>
+                                        <p:attrNameLst>
+                                          <p:attrName>ppt_y</p:attrName>
+                                        </p:attrNameLst>
+                                      </p:cBhvr>
+                                      <p:tavLst>
+                                        <p:tav tm="0">
+                                          <p:val>
+                                            <p:strVal val="#ppt_y+.1"/>
+                                          </p:val>
+                                        </p:tav>
+                                        <p:tav tm="100000">
+                                          <p:val>
+                                            <p:strVal val="#ppt_y"/>
+                                          </p:val>
+                                        </p:tav>
+                                      </p:tavLst>
+                                    </p:anim>
+                                  </p:childTnLst>
+                                </p:cTn>
+                              </p:par>
+                            </p:childTnLst>
+                          </p:cTn>
+                        </p:par>
+                      </p:childTnLst>
+                    </p:cTn>
+                  </p:par>
+                  <p:par>
+                    <p:cTn id="33" fill="hold">
+                      <p:stCondLst>
+                        <p:cond delay="indefinite"/>
+                      </p:stCondLst>
+                      <p:childTnLst>
+                        <p:par>
+                          <p:cTn id="34" fill="hold">
+                            <p:stCondLst>
+                              <p:cond delay="0"/>
+                            </p:stCondLst>
+                            <p:childTnLst>
+                              <p:par>
+                                <p:cTn id="35" presetID="42" presetClass="entr" presetSubtype="0" fill="hold" grpId="0" nodeType="clickEffect">
+                                  <p:stCondLst>
+                                    <p:cond delay="0"/>
+                                  </p:stCondLst>
+                                  <p:childTnLst>
+                                    <p:set>
+                                      <p:cBhvr>
+                                        <p:cTn id="36" dur="1" fill="hold">
+                                          <p:stCondLst>
+                                            <p:cond delay="0"/>
+                                          </p:stCondLst>
+                                        </p:cTn>
+                                        <p:tgtEl>
+                                          <p:spTgt spid="19"/>
+                                        </p:tgtEl>
+                                        <p:attrNameLst>
+                                          <p:attrName>style.visibility</p:attrName>
+                                        </p:attrNameLst>
+                                      </p:cBhvr>
+                                      <p:to>
+                                        <p:strVal val="visible"/>
+                                      </p:to>
+                                    </p:set>
+                                    <p:animEffect transition="in" filter="fade">
+                                      <p:cBhvr>
+                                        <p:cTn id="37" dur="1000"/>
+                                        <p:tgtEl>
+                                          <p:spTgt spid="19"/>
+                                        </p:tgtEl>
+                                      </p:cBhvr>
+                                    </p:animEffect>
+                                    <p:anim calcmode="lin" valueType="num">
+                                      <p:cBhvr>
+                                        <p:cTn id="38" dur="1000" fill="hold"/>
+                                        <p:tgtEl>
+                                          <p:spTgt spid="19"/>
+                                        </p:tgtEl>
+                                        <p:attrNameLst>
+                                          <p:attrName>ppt_x</p:attrName>
+                                        </p:attrNameLst>
+                                      </p:cBhvr>
+                                      <p:tavLst>
+                                        <p:tav tm="0">
+                                          <p:val>
+                                            <p:strVal val="#ppt_x"/>
+                                          </p:val>
+                                        </p:tav>
+                                        <p:tav tm="100000">
+                                          <p:val>
+                                            <p:strVal val="#ppt_x"/>
+                                          </p:val>
+                                        </p:tav>
+                                      </p:tavLst>
+                                    </p:anim>
+                                    <p:anim calcmode="lin" valueType="num">
+                                      <p:cBhvr>
+                                        <p:cTn id="39" dur="1000" fill="hold"/>
+                                        <p:tgtEl>
+                                          <p:spTgt spid="19"/>
+                                        </p:tgtEl>
+                                        <p:attrNameLst>
+                                          <p:attrName>ppt_y</p:attrName>
+                                        </p:attrNameLst>
+                                      </p:cBhvr>
+                                      <p:tavLst>
+                                        <p:tav tm="0">
+                                          <p:val>
+                                            <p:strVal val="#ppt_y+.1"/>
+                                          </p:val>
+                                        </p:tav>
+                                        <p:tav tm="100000">
+                                          <p:val>
+                                            <p:strVal val="#ppt_y"/>
+                                          </p:val>
+                                        </p:tav>
+                                      </p:tavLst>
+                                    </p:anim>
+                                  </p:childTnLst>
+                                </p:cTn>
+                              </p:par>
+                            </p:childTnLst>
+                          </p:cTn>
+                        </p:par>
+                      </p:childTnLst>
+                    </p:cTn>
+                  </p:par>
+                </p:childTnLst>
+              </p:cTn>
+              <p:prevCondLst>
+                <p:cond evt="onPrev" delay="0">
+                  <p:tgtEl>
+                    <p:sldTgt/>
+                  </p:tgtEl>
+                </p:cond>
+              </p:prevCondLst>
+              <p:nextCondLst>
+                <p:cond evt="onNext" delay="0">
+                  <p:tgtEl>
+                    <p:sldTgt/>
+                  </p:tgtEl>
+                </p:cond>
+              </p:nextCondLst>
+            </p:seq>
+          </p:childTnLst>
+        </p:cTn>
+      </p:par>
+    </p:tnLst>
+    <p:bldLst>
+      <p:bldP spid="2" grpId="0"/>
+      <p:bldP spid="6" grpId="0"/>
+      <p:bldP spid="10" grpId="0" animBg="1"/>
+      <p:bldP spid="12" grpId="0"/>
+      <p:bldP spid="16" grpId="0"/>
+      <p:bldP spid="19" grpId="0"/>
+    </p:bldLst>
+  </p:timing>
+</p:sld>
+</file>
+
+<file path=ppt/slides/slide5.xml><?xml version="1.0" encoding="utf-8"?>
 <p:sld xmlns:a="http://schemas.openxmlformats.org/drawingml/2006/main" xmlns:r="http://schemas.openxmlformats.org/officeDocument/2006/relationships" xmlns:p="http://schemas.openxmlformats.org/presentationml/2006/main">
   <p:cSld>
     <p:bg>
@@ -5339,7 +7578,7 @@
           <a:lstStyle/>
           <a:p>
             <a:pPr algn="ctr"/>
-            <a:endParaRPr lang="en-IN"/>
+            <a:endParaRPr lang="en-IN" sz="2400"/>
           </a:p>
         </p:txBody>
       </p:sp>
@@ -5357,7 +7596,7 @@
         </p:nvSpPr>
         <p:spPr>
           <a:xfrm>
-            <a:off x="3985405" y="388925"/>
+            <a:off x="3985404" y="281796"/>
             <a:ext cx="3422715" cy="667109"/>
           </a:xfrm>
           <a:prstGeom prst="ellipse">
@@ -5572,6 +7811,44 @@
           </a:prstGeom>
         </p:spPr>
       </p:pic>
+      <p:sp>
+        <p:nvSpPr>
+          <p:cNvPr id="3" name="TextBox 2">
+            <a:extLst>
+              <a:ext uri="{FF2B5EF4-FFF2-40B4-BE49-F238E27FC236}">
+                <a16:creationId xmlns:a16="http://schemas.microsoft.com/office/drawing/2014/main" id="{64F56F41-E238-CEF6-829B-D3051F9C62B1}"/>
+              </a:ext>
+            </a:extLst>
+          </p:cNvPr>
+          <p:cNvSpPr txBox="1"/>
+          <p:nvPr/>
+        </p:nvSpPr>
+        <p:spPr>
+          <a:xfrm>
+            <a:off x="764098" y="804020"/>
+            <a:ext cx="6644022" cy="646331"/>
+          </a:xfrm>
+          <a:prstGeom prst="rect">
+            <a:avLst/>
+          </a:prstGeom>
+          <a:noFill/>
+        </p:spPr>
+        <p:txBody>
+          <a:bodyPr wrap="square" rtlCol="0">
+            <a:spAutoFit/>
+          </a:bodyPr>
+          <a:lstStyle/>
+          <a:p>
+            <a:r>
+              <a:rPr lang="en-IN" dirty="0"/>
+              <a:t>These are the detail Univariant analysis for defaulter </a:t>
+            </a:r>
+          </a:p>
+          <a:p>
+            <a:endParaRPr lang="en-IN" dirty="0"/>
+          </a:p>
+        </p:txBody>
+      </p:sp>
     </p:spTree>
     <p:extLst>
       <p:ext uri="{BB962C8B-B14F-4D97-AF65-F5344CB8AC3E}">
@@ -5582,13 +7859,13 @@
   <p:clrMapOvr>
     <a:masterClrMapping/>
   </p:clrMapOvr>
-  <mc:AlternateContent xmlns:mc="http://schemas.openxmlformats.org/markup-compatibility/2006">
-    <mc:Choice xmlns:p14="http://schemas.microsoft.com/office/powerpoint/2010/main" Requires="p14">
+  <mc:AlternateContent xmlns:mc="http://schemas.openxmlformats.org/markup-compatibility/2006" xmlns:p14="http://schemas.microsoft.com/office/powerpoint/2010/main">
+    <mc:Choice Requires="p14">
       <p:transition spd="slow" p14:dur="3400">
         <p14:reveal/>
       </p:transition>
     </mc:Choice>
-    <mc:Fallback>
+    <mc:Fallback xmlns="">
       <p:transition spd="slow">
         <p:fade/>
       </p:transition>
@@ -5973,6 +8250,105 @@
                       </p:childTnLst>
                     </p:cTn>
                   </p:par>
+                  <p:par>
+                    <p:cTn id="38" fill="hold">
+                      <p:stCondLst>
+                        <p:cond delay="indefinite"/>
+                      </p:stCondLst>
+                      <p:childTnLst>
+                        <p:par>
+                          <p:cTn id="39" fill="hold">
+                            <p:stCondLst>
+                              <p:cond delay="0"/>
+                            </p:stCondLst>
+                            <p:childTnLst>
+                              <p:par>
+                                <p:cTn id="40" presetID="42" presetClass="entr" presetSubtype="0" fill="hold" grpId="0" nodeType="clickEffect">
+                                  <p:stCondLst>
+                                    <p:cond delay="0"/>
+                                  </p:stCondLst>
+                                  <p:childTnLst>
+                                    <p:set>
+                                      <p:cBhvr>
+                                        <p:cTn id="41" dur="1" fill="hold">
+                                          <p:stCondLst>
+                                            <p:cond delay="0"/>
+                                          </p:stCondLst>
+                                        </p:cTn>
+                                        <p:tgtEl>
+                                          <p:spTgt spid="3"/>
+                                        </p:tgtEl>
+                                        <p:attrNameLst>
+                                          <p:attrName>style.visibility</p:attrName>
+                                        </p:attrNameLst>
+                                      </p:cBhvr>
+                                      <p:to>
+                                        <p:strVal val="visible"/>
+                                      </p:to>
+                                    </p:set>
+                                    <p:animEffect transition="in" filter="fade">
+                                      <p:cBhvr>
+                                        <p:cTn id="42" dur="1000"/>
+                                        <p:tgtEl>
+                                          <p:spTgt spid="3"/>
+                                        </p:tgtEl>
+                                      </p:cBhvr>
+                                    </p:animEffect>
+                                    <p:anim calcmode="lin" valueType="num">
+                                      <p:cBhvr>
+                                        <p:cTn id="43" dur="1000" fill="hold"/>
+                                        <p:tgtEl>
+                                          <p:spTgt spid="3"/>
+                                        </p:tgtEl>
+                                        <p:attrNameLst>
+                                          <p:attrName>ppt_x</p:attrName>
+                                        </p:attrNameLst>
+                                      </p:cBhvr>
+                                      <p:tavLst>
+                                        <p:tav tm="0">
+                                          <p:val>
+                                            <p:strVal val="#ppt_x"/>
+                                          </p:val>
+                                        </p:tav>
+                                        <p:tav tm="100000">
+                                          <p:val>
+                                            <p:strVal val="#ppt_x"/>
+                                          </p:val>
+                                        </p:tav>
+                                      </p:tavLst>
+                                    </p:anim>
+                                    <p:anim calcmode="lin" valueType="num">
+                                      <p:cBhvr>
+                                        <p:cTn id="44" dur="1000" fill="hold"/>
+                                        <p:tgtEl>
+                                          <p:spTgt spid="3"/>
+                                        </p:tgtEl>
+                                        <p:attrNameLst>
+                                          <p:attrName>ppt_y</p:attrName>
+                                        </p:attrNameLst>
+                                      </p:cBhvr>
+                                      <p:tavLst>
+                                        <p:tav tm="0">
+                                          <p:val>
+                                            <p:strVal val="#ppt_y+.1"/>
+                                          </p:val>
+                                        </p:tav>
+                                        <p:tav tm="100000">
+                                          <p:val>
+                                            <p:strVal val="#ppt_y"/>
+                                          </p:val>
+                                        </p:tav>
+                                      </p:tavLst>
+                                    </p:anim>
+                                  </p:childTnLst>
+                                </p:cTn>
+                              </p:par>
+                            </p:childTnLst>
+                          </p:cTn>
+                        </p:par>
+                      </p:childTnLst>
+                    </p:cTn>
+                  </p:par>
                 </p:childTnLst>
               </p:cTn>
               <p:prevCondLst>
@@ -5996,12 +8372,13 @@
     </p:tnLst>
     <p:bldLst>
       <p:bldP spid="2" grpId="0" animBg="1"/>
+      <p:bldP spid="3" grpId="0"/>
     </p:bldLst>
   </p:timing>
 </p:sld>
 </file>
 
-<file path=ppt/slides/slide4.xml><?xml version="1.0" encoding="utf-8"?>
+<file path=ppt/slides/slide6.xml><?xml version="1.0" encoding="utf-8"?>
 <p:sld xmlns:a="http://schemas.openxmlformats.org/drawingml/2006/main" xmlns:r="http://schemas.openxmlformats.org/officeDocument/2006/relationships" xmlns:p="http://schemas.openxmlformats.org/presentationml/2006/main">
   <p:cSld>
     <p:bg>
@@ -6572,13 +8949,13 @@
   <p:clrMapOvr>
     <a:masterClrMapping/>
   </p:clrMapOvr>
-  <mc:AlternateContent xmlns:mc="http://schemas.openxmlformats.org/markup-compatibility/2006">
-    <mc:Choice xmlns:p15="http://schemas.microsoft.com/office/powerpoint/2012/main" Requires="p15">
+  <mc:AlternateContent xmlns:mc="http://schemas.openxmlformats.org/markup-compatibility/2006" xmlns:p15="http://schemas.microsoft.com/office/powerpoint/2012/main">
+    <mc:Choice Requires="p15">
       <p:transition xmlns:p14="http://schemas.microsoft.com/office/powerpoint/2010/main" spd="slow" p14:dur="1250">
         <p15:prstTrans prst="peelOff"/>
       </p:transition>
     </mc:Choice>
-    <mc:Fallback>
+    <mc:Fallback xmlns="">
       <p:transition spd="slow">
         <p:fade/>
       </p:transition>
@@ -6763,7 +9140,553 @@
 </p:sld>
 </file>
 
-<file path=ppt/slides/slide5.xml><?xml version="1.0" encoding="utf-8"?>
+<file path=ppt/slides/slide7.xml><?xml version="1.0" encoding="utf-8"?>
+<p:sld xmlns:a="http://schemas.openxmlformats.org/drawingml/2006/main" xmlns:r="http://schemas.openxmlformats.org/officeDocument/2006/relationships" xmlns:p="http://schemas.openxmlformats.org/presentationml/2006/main">
+  <p:cSld>
+    <p:spTree>
+      <p:nvGrpSpPr>
+        <p:cNvPr id="1" name=""/>
+        <p:cNvGrpSpPr/>
+        <p:nvPr/>
+      </p:nvGrpSpPr>
+      <p:grpSpPr>
+        <a:xfrm>
+          <a:off x="0" y="0"/>
+          <a:ext cx="0" cy="0"/>
+          <a:chOff x="0" y="0"/>
+          <a:chExt cx="0" cy="0"/>
+        </a:xfrm>
+      </p:grpSpPr>
+      <p:sp>
+        <p:nvSpPr>
+          <p:cNvPr id="9" name="Rectangle: Rounded Corners 8">
+            <a:extLst>
+              <a:ext uri="{FF2B5EF4-FFF2-40B4-BE49-F238E27FC236}">
+                <a16:creationId xmlns:a16="http://schemas.microsoft.com/office/drawing/2014/main" id="{0CC9C4CF-AA25-40BA-611F-48AA90E53C89}"/>
+              </a:ext>
+            </a:extLst>
+          </p:cNvPr>
+          <p:cNvSpPr/>
+          <p:nvPr/>
+        </p:nvSpPr>
+        <p:spPr>
+          <a:xfrm>
+            <a:off x="435756" y="388925"/>
+            <a:ext cx="11162211" cy="5722189"/>
+          </a:xfrm>
+          <a:prstGeom prst="roundRect">
+            <a:avLst/>
+          </a:prstGeom>
+          <a:solidFill>
+            <a:srgbClr val="CCCC00">
+              <a:alpha val="43922"/>
+            </a:srgbClr>
+          </a:solidFill>
+        </p:spPr>
+        <p:style>
+          <a:lnRef idx="2">
+            <a:schemeClr val="accent1">
+              <a:shade val="15000"/>
+            </a:schemeClr>
+          </a:lnRef>
+          <a:fillRef idx="1">
+            <a:schemeClr val="accent1"/>
+          </a:fillRef>
+          <a:effectRef idx="0">
+            <a:schemeClr val="accent1"/>
+          </a:effectRef>
+          <a:fontRef idx="minor">
+            <a:schemeClr val="lt1"/>
+          </a:fontRef>
+        </p:style>
+        <p:txBody>
+          <a:bodyPr rtlCol="0" anchor="ctr"/>
+          <a:lstStyle/>
+          <a:p>
+            <a:pPr algn="ctr"/>
+            <a:endParaRPr lang="en-IN"/>
+          </a:p>
+        </p:txBody>
+      </p:sp>
+      <p:sp>
+        <p:nvSpPr>
+          <p:cNvPr id="2" name="Oval 1">
+            <a:extLst>
+              <a:ext uri="{FF2B5EF4-FFF2-40B4-BE49-F238E27FC236}">
+                <a16:creationId xmlns:a16="http://schemas.microsoft.com/office/drawing/2014/main" id="{BF751163-B3E0-A8FF-5BDE-D7483B988E2C}"/>
+              </a:ext>
+            </a:extLst>
+          </p:cNvPr>
+          <p:cNvSpPr/>
+          <p:nvPr/>
+        </p:nvSpPr>
+        <p:spPr>
+          <a:xfrm>
+            <a:off x="3985405" y="388926"/>
+            <a:ext cx="3422715" cy="433084"/>
+          </a:xfrm>
+          <a:prstGeom prst="ellipse">
+            <a:avLst/>
+          </a:prstGeom>
+        </p:spPr>
+        <p:style>
+          <a:lnRef idx="2">
+            <a:schemeClr val="accent1">
+              <a:shade val="15000"/>
+            </a:schemeClr>
+          </a:lnRef>
+          <a:fillRef idx="1">
+            <a:schemeClr val="accent1"/>
+          </a:fillRef>
+          <a:effectRef idx="0">
+            <a:schemeClr val="accent1"/>
+          </a:effectRef>
+          <a:fontRef idx="minor">
+            <a:schemeClr val="lt1"/>
+          </a:fontRef>
+        </p:style>
+        <p:txBody>
+          <a:bodyPr rtlCol="0" anchor="ctr"/>
+          <a:lstStyle/>
+          <a:p>
+            <a:pPr algn="ctr"/>
+            <a:r>
+              <a:rPr lang="en-IN" dirty="0"/>
+              <a:t>Univariant Analysis Report </a:t>
+            </a:r>
+          </a:p>
+        </p:txBody>
+      </p:sp>
+      <p:sp>
+        <p:nvSpPr>
+          <p:cNvPr id="3" name="TextBox 2">
+            <a:extLst>
+              <a:ext uri="{FF2B5EF4-FFF2-40B4-BE49-F238E27FC236}">
+                <a16:creationId xmlns:a16="http://schemas.microsoft.com/office/drawing/2014/main" id="{ED2D139B-1392-49CE-00B6-5AA3B0BB8514}"/>
+              </a:ext>
+            </a:extLst>
+          </p:cNvPr>
+          <p:cNvSpPr txBox="1"/>
+          <p:nvPr/>
+        </p:nvSpPr>
+        <p:spPr>
+          <a:xfrm>
+            <a:off x="554125" y="822009"/>
+            <a:ext cx="6644022" cy="646331"/>
+          </a:xfrm>
+          <a:prstGeom prst="rect">
+            <a:avLst/>
+          </a:prstGeom>
+          <a:noFill/>
+        </p:spPr>
+        <p:txBody>
+          <a:bodyPr wrap="square" rtlCol="0">
+            <a:spAutoFit/>
+          </a:bodyPr>
+          <a:lstStyle/>
+          <a:p>
+            <a:r>
+              <a:rPr lang="en-IN" dirty="0"/>
+              <a:t>These are the detail Univariant analysis for fully paid lender </a:t>
+            </a:r>
+          </a:p>
+          <a:p>
+            <a:endParaRPr lang="en-IN" dirty="0"/>
+          </a:p>
+        </p:txBody>
+      </p:sp>
+      <p:pic>
+        <p:nvPicPr>
+          <p:cNvPr id="6" name="Picture 5" descr="A graph of a number of loan&#10;&#10;Description automatically generated">
+            <a:extLst>
+              <a:ext uri="{FF2B5EF4-FFF2-40B4-BE49-F238E27FC236}">
+                <a16:creationId xmlns:a16="http://schemas.microsoft.com/office/drawing/2014/main" id="{CA0FCB78-C284-87A0-597A-CFFAC78DD792}"/>
+              </a:ext>
+            </a:extLst>
+          </p:cNvPr>
+          <p:cNvPicPr>
+            <a:picLocks noChangeAspect="1"/>
+          </p:cNvPicPr>
+          <p:nvPr/>
+        </p:nvPicPr>
+        <p:blipFill>
+          <a:blip r:embed="rId2"/>
+          <a:stretch>
+            <a:fillRect/>
+          </a:stretch>
+        </p:blipFill>
+        <p:spPr>
+          <a:xfrm>
+            <a:off x="503433" y="1253260"/>
+            <a:ext cx="3263435" cy="2035395"/>
+          </a:xfrm>
+          <a:prstGeom prst="rect">
+            <a:avLst/>
+          </a:prstGeom>
+        </p:spPr>
+      </p:pic>
+      <p:pic>
+        <p:nvPicPr>
+          <p:cNvPr id="11" name="Picture 10" descr="A graph with different colored bars&#10;&#10;Description automatically generated">
+            <a:extLst>
+              <a:ext uri="{FF2B5EF4-FFF2-40B4-BE49-F238E27FC236}">
+                <a16:creationId xmlns:a16="http://schemas.microsoft.com/office/drawing/2014/main" id="{43E23CCE-B92A-6AD2-117B-8A35005284DF}"/>
+              </a:ext>
+            </a:extLst>
+          </p:cNvPr>
+          <p:cNvPicPr>
+            <a:picLocks noChangeAspect="1"/>
+          </p:cNvPicPr>
+          <p:nvPr/>
+        </p:nvPicPr>
+        <p:blipFill>
+          <a:blip r:embed="rId3"/>
+          <a:stretch>
+            <a:fillRect/>
+          </a:stretch>
+        </p:blipFill>
+        <p:spPr>
+          <a:xfrm>
+            <a:off x="3855340" y="1257404"/>
+            <a:ext cx="3263435" cy="2024978"/>
+          </a:xfrm>
+          <a:prstGeom prst="rect">
+            <a:avLst/>
+          </a:prstGeom>
+        </p:spPr>
+      </p:pic>
+      <p:pic>
+        <p:nvPicPr>
+          <p:cNvPr id="14" name="Picture 13" descr="A graph of a number of loan&#10;&#10;Description automatically generated with medium confidence">
+            <a:extLst>
+              <a:ext uri="{FF2B5EF4-FFF2-40B4-BE49-F238E27FC236}">
+                <a16:creationId xmlns:a16="http://schemas.microsoft.com/office/drawing/2014/main" id="{048543EE-2F22-C715-072C-B3CE97C77A1D}"/>
+              </a:ext>
+            </a:extLst>
+          </p:cNvPr>
+          <p:cNvPicPr>
+            <a:picLocks noChangeAspect="1"/>
+          </p:cNvPicPr>
+          <p:nvPr/>
+        </p:nvPicPr>
+        <p:blipFill>
+          <a:blip r:embed="rId4"/>
+          <a:stretch>
+            <a:fillRect/>
+          </a:stretch>
+        </p:blipFill>
+        <p:spPr>
+          <a:xfrm>
+            <a:off x="7226701" y="1253260"/>
+            <a:ext cx="3532667" cy="1999300"/>
+          </a:xfrm>
+          <a:prstGeom prst="rect">
+            <a:avLst/>
+          </a:prstGeom>
+        </p:spPr>
+      </p:pic>
+      <p:pic>
+        <p:nvPicPr>
+          <p:cNvPr id="20" name="Picture 19" descr="A graph of a number of loan payer&#10;&#10;Description automatically generated">
+            <a:extLst>
+              <a:ext uri="{FF2B5EF4-FFF2-40B4-BE49-F238E27FC236}">
+                <a16:creationId xmlns:a16="http://schemas.microsoft.com/office/drawing/2014/main" id="{5D7684E9-889D-143B-D481-3FA167152999}"/>
+              </a:ext>
+            </a:extLst>
+          </p:cNvPr>
+          <p:cNvPicPr>
+            <a:picLocks noChangeAspect="1"/>
+          </p:cNvPicPr>
+          <p:nvPr/>
+        </p:nvPicPr>
+        <p:blipFill>
+          <a:blip r:embed="rId5"/>
+          <a:stretch>
+            <a:fillRect/>
+          </a:stretch>
+        </p:blipFill>
+        <p:spPr>
+          <a:xfrm>
+            <a:off x="554125" y="3569345"/>
+            <a:ext cx="3255595" cy="2130555"/>
+          </a:xfrm>
+          <a:prstGeom prst="rect">
+            <a:avLst/>
+          </a:prstGeom>
+        </p:spPr>
+      </p:pic>
+      <p:pic>
+        <p:nvPicPr>
+          <p:cNvPr id="22" name="Picture 21" descr="A graph of a number of loan fully paid payer&#10;&#10;Description automatically generated">
+            <a:extLst>
+              <a:ext uri="{FF2B5EF4-FFF2-40B4-BE49-F238E27FC236}">
+                <a16:creationId xmlns:a16="http://schemas.microsoft.com/office/drawing/2014/main" id="{90639F25-C5F3-0E22-6048-5F0E5960B12F}"/>
+              </a:ext>
+            </a:extLst>
+          </p:cNvPr>
+          <p:cNvPicPr>
+            <a:picLocks noChangeAspect="1"/>
+          </p:cNvPicPr>
+          <p:nvPr/>
+        </p:nvPicPr>
+        <p:blipFill>
+          <a:blip r:embed="rId6"/>
+          <a:stretch>
+            <a:fillRect/>
+          </a:stretch>
+        </p:blipFill>
+        <p:spPr>
+          <a:xfrm>
+            <a:off x="3928089" y="3579315"/>
+            <a:ext cx="3255595" cy="1789423"/>
+          </a:xfrm>
+          <a:prstGeom prst="rect">
+            <a:avLst/>
+          </a:prstGeom>
+        </p:spPr>
+      </p:pic>
+      <p:pic>
+        <p:nvPicPr>
+          <p:cNvPr id="24" name="Picture 23" descr="A graph of a number of paid payer&#10;&#10;Description automatically generated">
+            <a:extLst>
+              <a:ext uri="{FF2B5EF4-FFF2-40B4-BE49-F238E27FC236}">
+                <a16:creationId xmlns:a16="http://schemas.microsoft.com/office/drawing/2014/main" id="{21A8DE47-767C-2514-1D88-47749E51020F}"/>
+              </a:ext>
+            </a:extLst>
+          </p:cNvPr>
+          <p:cNvPicPr>
+            <a:picLocks noChangeAspect="1"/>
+          </p:cNvPicPr>
+          <p:nvPr/>
+        </p:nvPicPr>
+        <p:blipFill>
+          <a:blip r:embed="rId7"/>
+          <a:stretch>
+            <a:fillRect/>
+          </a:stretch>
+        </p:blipFill>
+        <p:spPr>
+          <a:xfrm>
+            <a:off x="7302053" y="3569345"/>
+            <a:ext cx="3457315" cy="1789423"/>
+          </a:xfrm>
+          <a:prstGeom prst="rect">
+            <a:avLst/>
+          </a:prstGeom>
+        </p:spPr>
+      </p:pic>
+    </p:spTree>
+    <p:extLst>
+      <p:ext uri="{BB962C8B-B14F-4D97-AF65-F5344CB8AC3E}">
+        <p14:creationId xmlns:p14="http://schemas.microsoft.com/office/powerpoint/2010/main" val="83242363"/>
+      </p:ext>
+    </p:extLst>
+  </p:cSld>
+  <p:clrMapOvr>
+    <a:masterClrMapping/>
+  </p:clrMapOvr>
+  <mc:AlternateContent xmlns:mc="http://schemas.openxmlformats.org/markup-compatibility/2006" xmlns:p14="http://schemas.microsoft.com/office/powerpoint/2010/main">
+    <mc:Choice Requires="p14">
+      <p:transition spd="slow" p14:dur="3400">
+        <p14:reveal/>
+      </p:transition>
+    </mc:Choice>
+    <mc:Fallback xmlns="">
+      <p:transition spd="slow">
+        <p:fade/>
+      </p:transition>
+    </mc:Fallback>
+  </mc:AlternateContent>
+  <p:timing>
+    <p:tnLst>
+      <p:par>
+        <p:cTn id="1" dur="indefinite" restart="never" nodeType="tmRoot">
+          <p:childTnLst>
+            <p:seq concurrent="1" nextAc="seek">
+              <p:cTn id="2" dur="indefinite" nodeType="mainSeq">
+                <p:childTnLst>
+                  <p:par>
+                    <p:cTn id="3" fill="hold">
+                      <p:stCondLst>
+                        <p:cond delay="indefinite"/>
+                      </p:stCondLst>
+                      <p:childTnLst>
+                        <p:par>
+                          <p:cTn id="4" fill="hold">
+                            <p:stCondLst>
+                              <p:cond delay="0"/>
+                            </p:stCondLst>
+                            <p:childTnLst>
+                              <p:par>
+                                <p:cTn id="5" presetID="22" presetClass="entr" presetSubtype="4" fill="hold" grpId="0" nodeType="clickEffect">
+                                  <p:stCondLst>
+                                    <p:cond delay="0"/>
+                                  </p:stCondLst>
+                                  <p:childTnLst>
+                                    <p:set>
+                                      <p:cBhvr>
+                                        <p:cTn id="6" dur="1" fill="hold">
+                                          <p:stCondLst>
+                                            <p:cond delay="0"/>
+                                          </p:stCondLst>
+                                        </p:cTn>
+                                        <p:tgtEl>
+                                          <p:spTgt spid="2"/>
+                                        </p:tgtEl>
+                                        <p:attrNameLst>
+                                          <p:attrName>style.visibility</p:attrName>
+                                        </p:attrNameLst>
+                                      </p:cBhvr>
+                                      <p:to>
+                                        <p:strVal val="visible"/>
+                                      </p:to>
+                                    </p:set>
+                                    <p:animEffect transition="in" filter="wipe(down)">
+                                      <p:cBhvr>
+                                        <p:cTn id="7" dur="500"/>
+                                        <p:tgtEl>
+                                          <p:spTgt spid="2"/>
+                                        </p:tgtEl>
+                                      </p:cBhvr>
+                                    </p:animEffect>
+                                  </p:childTnLst>
+                                </p:cTn>
+                              </p:par>
+                            </p:childTnLst>
+                          </p:cTn>
+                        </p:par>
+                      </p:childTnLst>
+                    </p:cTn>
+                  </p:par>
+                  <p:par>
+                    <p:cTn id="8" fill="hold">
+                      <p:stCondLst>
+                        <p:cond delay="indefinite"/>
+                      </p:stCondLst>
+                      <p:childTnLst>
+                        <p:par>
+                          <p:cTn id="9" fill="hold">
+                            <p:stCondLst>
+                              <p:cond delay="0"/>
+                            </p:stCondLst>
+                            <p:childTnLst>
+                              <p:par>
+                                <p:cTn id="10" presetID="42" presetClass="entr" presetSubtype="0" fill="hold" grpId="0" nodeType="clickEffect">
+                                  <p:stCondLst>
+                                    <p:cond delay="0"/>
+                                  </p:stCondLst>
+                                  <p:childTnLst>
+                                    <p:set>
+                                      <p:cBhvr>
+                                        <p:cTn id="11" dur="1" fill="hold">
+                                          <p:stCondLst>
+                                            <p:cond delay="0"/>
+                                          </p:stCondLst>
+                                        </p:cTn>
+                                        <p:tgtEl>
+                                          <p:spTgt spid="3"/>
+                                        </p:tgtEl>
+                                        <p:attrNameLst>
+                                          <p:attrName>style.visibility</p:attrName>
+                                        </p:attrNameLst>
+                                      </p:cBhvr>
+                                      <p:to>
+                                        <p:strVal val="visible"/>
+                                      </p:to>
+                                    </p:set>
+                                    <p:animEffect transition="in" filter="fade">
+                                      <p:cBhvr>
+                                        <p:cTn id="12" dur="1000"/>
+                                        <p:tgtEl>
+                                          <p:spTgt spid="3"/>
+                                        </p:tgtEl>
+                                      </p:cBhvr>
+                                    </p:animEffect>
+                                    <p:anim calcmode="lin" valueType="num">
+                                      <p:cBhvr>
+                                        <p:cTn id="13" dur="1000" fill="hold"/>
+                                        <p:tgtEl>
+                                          <p:spTgt spid="3"/>
+                                        </p:tgtEl>
+                                        <p:attrNameLst>
+                                          <p:attrName>ppt_x</p:attrName>
+                                        </p:attrNameLst>
+                                      </p:cBhvr>
+                                      <p:tavLst>
+                                        <p:tav tm="0">
+                                          <p:val>
+                                            <p:strVal val="#ppt_x"/>
+                                          </p:val>
+                                        </p:tav>
+                                        <p:tav tm="100000">
+                                          <p:val>
+                                            <p:strVal val="#ppt_x"/>
+                                          </p:val>
+                                        </p:tav>
+                                      </p:tavLst>
+                                    </p:anim>
+                                    <p:anim calcmode="lin" valueType="num">
+                                      <p:cBhvr>
+                                        <p:cTn id="14" dur="1000" fill="hold"/>
+                                        <p:tgtEl>
+                                          <p:spTgt spid="3"/>
+                                        </p:tgtEl>
+                                        <p:attrNameLst>
+                                          <p:attrName>ppt_y</p:attrName>
+                                        </p:attrNameLst>
+                                      </p:cBhvr>
+                                      <p:tavLst>
+                                        <p:tav tm="0">
+                                          <p:val>
+                                            <p:strVal val="#ppt_y+.1"/>
+                                          </p:val>
+                                        </p:tav>
+                                        <p:tav tm="100000">
+                                          <p:val>
+                                            <p:strVal val="#ppt_y"/>
+                                          </p:val>
+                                        </p:tav>
+                                      </p:tavLst>
+                                    </p:anim>
+                                  </p:childTnLst>
+                                </p:cTn>
+                              </p:par>
+                            </p:childTnLst>
+                          </p:cTn>
+                        </p:par>
+                      </p:childTnLst>
+                    </p:cTn>
+                  </p:par>
+                </p:childTnLst>
+              </p:cTn>
+              <p:prevCondLst>
+                <p:cond evt="onPrev" delay="0">
+                  <p:tgtEl>
+                    <p:sldTgt/>
+                  </p:tgtEl>
+                </p:cond>
+              </p:prevCondLst>
+              <p:nextCondLst>
+                <p:cond evt="onNext" delay="0">
+                  <p:tgtEl>
+                    <p:sldTgt/>
+                  </p:tgtEl>
+                </p:cond>
+              </p:nextCondLst>
+            </p:seq>
+          </p:childTnLst>
+        </p:cTn>
+      </p:par>
+    </p:tnLst>
+    <p:bldLst>
+      <p:bldP spid="2" grpId="0" animBg="1"/>
+      <p:bldP spid="3" grpId="0"/>
+    </p:bldLst>
+  </p:timing>
+</p:sld>
+</file>
+
+<file path=ppt/slides/slide8.xml><?xml version="1.0" encoding="utf-8"?>
 <p:sld xmlns:a="http://schemas.openxmlformats.org/drawingml/2006/main" xmlns:r="http://schemas.openxmlformats.org/officeDocument/2006/relationships" xmlns:p="http://schemas.openxmlformats.org/presentationml/2006/main">
   <p:cSld>
     <p:bg>
@@ -7500,19 +10423,9 @@
 </p:sld>
 </file>
 
-<file path=ppt/slides/slide6.xml><?xml version="1.0" encoding="utf-8"?>
+<file path=ppt/slides/slide9.xml><?xml version="1.0" encoding="utf-8"?>
 <p:sld xmlns:a="http://schemas.openxmlformats.org/drawingml/2006/main" xmlns:r="http://schemas.openxmlformats.org/officeDocument/2006/relationships" xmlns:p="http://schemas.openxmlformats.org/presentationml/2006/main">
   <p:cSld>
-    <p:bg>
-      <p:bgPr>
-        <a:solidFill>
-          <a:srgbClr val="CCCC00">
-            <a:alpha val="23137"/>
-          </a:srgbClr>
-        </a:solidFill>
-        <a:effectLst/>
-      </p:bgPr>
-    </p:bg>
     <p:spTree>
       <p:nvGrpSpPr>
         <p:cNvPr id="1" name=""/>
@@ -7578,12 +10491,268 @@
           </a:p>
         </p:txBody>
       </p:sp>
+      <p:sp>
+        <p:nvSpPr>
+          <p:cNvPr id="2" name="Oval 1">
+            <a:extLst>
+              <a:ext uri="{FF2B5EF4-FFF2-40B4-BE49-F238E27FC236}">
+                <a16:creationId xmlns:a16="http://schemas.microsoft.com/office/drawing/2014/main" id="{E221DAB5-61B1-99A3-31F6-491D17F3AF89}"/>
+              </a:ext>
+            </a:extLst>
+          </p:cNvPr>
+          <p:cNvSpPr/>
+          <p:nvPr/>
+        </p:nvSpPr>
+        <p:spPr>
+          <a:xfrm>
+            <a:off x="4071667" y="627787"/>
+            <a:ext cx="3422715" cy="667109"/>
+          </a:xfrm>
+          <a:prstGeom prst="ellipse">
+            <a:avLst/>
+          </a:prstGeom>
+        </p:spPr>
+        <p:style>
+          <a:lnRef idx="2">
+            <a:schemeClr val="accent1">
+              <a:shade val="15000"/>
+            </a:schemeClr>
+          </a:lnRef>
+          <a:fillRef idx="1">
+            <a:schemeClr val="accent1"/>
+          </a:fillRef>
+          <a:effectRef idx="0">
+            <a:schemeClr val="accent1"/>
+          </a:effectRef>
+          <a:fontRef idx="minor">
+            <a:schemeClr val="lt1"/>
+          </a:fontRef>
+        </p:style>
+        <p:txBody>
+          <a:bodyPr rtlCol="0" anchor="ctr"/>
+          <a:lstStyle/>
+          <a:p>
+            <a:pPr algn="ctr"/>
+            <a:r>
+              <a:rPr lang="en-IN" dirty="0"/>
+              <a:t>Bivariant Analysis &amp;  Summary</a:t>
+            </a:r>
+          </a:p>
+        </p:txBody>
+      </p:sp>
+      <p:graphicFrame>
+        <p:nvGraphicFramePr>
+          <p:cNvPr id="6" name="Table 5">
+            <a:extLst>
+              <a:ext uri="{FF2B5EF4-FFF2-40B4-BE49-F238E27FC236}">
+                <a16:creationId xmlns:a16="http://schemas.microsoft.com/office/drawing/2014/main" id="{A804CB76-F7FD-0BB4-9224-026B724D6974}"/>
+              </a:ext>
+            </a:extLst>
+          </p:cNvPr>
+          <p:cNvGraphicFramePr>
+            <a:graphicFrameLocks noGrp="1"/>
+          </p:cNvGraphicFramePr>
+          <p:nvPr>
+            <p:extLst>
+              <p:ext uri="{D42A27DB-BD31-4B8C-83A1-F6EECF244321}">
+                <p14:modId xmlns:p14="http://schemas.microsoft.com/office/powerpoint/2010/main" val="911584046"/>
+              </p:ext>
+            </p:extLst>
+          </p:nvPr>
+        </p:nvGraphicFramePr>
+        <p:xfrm>
+          <a:off x="818242" y="4430486"/>
+          <a:ext cx="9275399" cy="1309188"/>
+        </p:xfrm>
+        <a:graphic>
+          <a:graphicData uri="http://schemas.openxmlformats.org/drawingml/2006/table">
+            <a:tbl>
+              <a:tblPr firstRow="1" bandRow="1">
+                <a:tableStyleId>{5C22544A-7EE6-4342-B048-85BDC9FD1C3A}</a:tableStyleId>
+              </a:tblPr>
+              <a:tblGrid>
+                <a:gridCol w="1737043">
+                  <a:extLst>
+                    <a:ext uri="{9D8B030D-6E8A-4147-A177-3AD203B41FA5}">
+                      <a16:colId xmlns:a16="http://schemas.microsoft.com/office/drawing/2014/main" val="3268862784"/>
+                    </a:ext>
+                  </a:extLst>
+                </a:gridCol>
+                <a:gridCol w="3184071">
+                  <a:extLst>
+                    <a:ext uri="{9D8B030D-6E8A-4147-A177-3AD203B41FA5}">
+                      <a16:colId xmlns:a16="http://schemas.microsoft.com/office/drawing/2014/main" val="3405056205"/>
+                    </a:ext>
+                  </a:extLst>
+                </a:gridCol>
+                <a:gridCol w="4354285">
+                  <a:extLst>
+                    <a:ext uri="{9D8B030D-6E8A-4147-A177-3AD203B41FA5}">
+                      <a16:colId xmlns:a16="http://schemas.microsoft.com/office/drawing/2014/main" val="3532787145"/>
+                    </a:ext>
+                  </a:extLst>
+                </a:gridCol>
+              </a:tblGrid>
+              <a:tr h="511628">
+                <a:tc>
+                  <a:txBody>
+                    <a:bodyPr/>
+                    <a:lstStyle/>
+                    <a:p>
+                      <a:endParaRPr lang="en-IN" sz="1100" dirty="0"/>
+                    </a:p>
+                  </a:txBody>
+                  <a:tcPr>
+                    <a:solidFill>
+                      <a:schemeClr val="accent1">
+                        <a:lumMod val="60000"/>
+                        <a:lumOff val="40000"/>
+                      </a:schemeClr>
+                    </a:solidFill>
+                  </a:tcPr>
+                </a:tc>
+                <a:tc>
+                  <a:txBody>
+                    <a:bodyPr/>
+                    <a:lstStyle/>
+                    <a:p>
+                      <a:r>
+                        <a:rPr lang="en-IN" sz="1100" dirty="0"/>
+                        <a:t>Salary &amp; years of experience</a:t>
+                      </a:r>
+                    </a:p>
+                  </a:txBody>
+                  <a:tcPr>
+                    <a:solidFill>
+                      <a:schemeClr val="accent1">
+                        <a:lumMod val="60000"/>
+                        <a:lumOff val="40000"/>
+                      </a:schemeClr>
+                    </a:solidFill>
+                  </a:tcPr>
+                </a:tc>
+                <a:tc>
+                  <a:txBody>
+                    <a:bodyPr/>
+                    <a:lstStyle/>
+                    <a:p>
+                      <a:r>
+                        <a:rPr lang="en-IN" sz="1100" dirty="0"/>
+                        <a:t>Grade and subgrade</a:t>
+                      </a:r>
+                    </a:p>
+                  </a:txBody>
+                  <a:tcPr>
+                    <a:solidFill>
+                      <a:schemeClr val="accent1">
+                        <a:lumMod val="60000"/>
+                        <a:lumOff val="40000"/>
+                      </a:schemeClr>
+                    </a:solidFill>
+                  </a:tcPr>
+                </a:tc>
+                <a:extLst>
+                  <a:ext uri="{0D108BD9-81ED-4DB2-BD59-A6C34878D82A}">
+                    <a16:rowId xmlns:a16="http://schemas.microsoft.com/office/drawing/2014/main" val="648124440"/>
+                  </a:ext>
+                </a:extLst>
+              </a:tr>
+              <a:tr h="370840">
+                <a:tc>
+                  <a:txBody>
+                    <a:bodyPr/>
+                    <a:lstStyle/>
+                    <a:p>
+                      <a:r>
+                        <a:rPr lang="en-IN" sz="1100" dirty="0"/>
+                        <a:t>Paid on time</a:t>
+                      </a:r>
+                    </a:p>
+                  </a:txBody>
+                  <a:tcPr/>
+                </a:tc>
+                <a:tc>
+                  <a:txBody>
+                    <a:bodyPr/>
+                    <a:lstStyle/>
+                    <a:p>
+                      <a:r>
+                        <a:rPr lang="en-IN" sz="1100" dirty="0"/>
+                        <a:t>People who has less than experience 10+ has paid most of the loans</a:t>
+                      </a:r>
+                    </a:p>
+                  </a:txBody>
+                  <a:tcPr/>
+                </a:tc>
+                <a:tc>
+                  <a:txBody>
+                    <a:bodyPr/>
+                    <a:lstStyle/>
+                    <a:p>
+                      <a:r>
+                        <a:rPr lang="en-IN" sz="1100" dirty="0"/>
+                        <a:t>Except G grade and its sub grade </a:t>
+                      </a:r>
+                    </a:p>
+                  </a:txBody>
+                  <a:tcPr/>
+                </a:tc>
+                <a:extLst>
+                  <a:ext uri="{0D108BD9-81ED-4DB2-BD59-A6C34878D82A}">
+                    <a16:rowId xmlns:a16="http://schemas.microsoft.com/office/drawing/2014/main" val="4200797888"/>
+                  </a:ext>
+                </a:extLst>
+              </a:tr>
+              <a:tr h="370840">
+                <a:tc>
+                  <a:txBody>
+                    <a:bodyPr/>
+                    <a:lstStyle/>
+                    <a:p>
+                      <a:r>
+                        <a:rPr lang="en-IN" sz="1100" dirty="0"/>
+                        <a:t>Non Risky/Non Defaulters</a:t>
+                      </a:r>
+                    </a:p>
+                  </a:txBody>
+                  <a:tcPr/>
+                </a:tc>
+                <a:tc>
+                  <a:txBody>
+                    <a:bodyPr/>
+                    <a:lstStyle/>
+                    <a:p>
+                      <a:endParaRPr lang="en-IN" sz="1100" dirty="0"/>
+                    </a:p>
+                  </a:txBody>
+                  <a:tcPr/>
+                </a:tc>
+                <a:tc>
+                  <a:txBody>
+                    <a:bodyPr/>
+                    <a:lstStyle/>
+                    <a:p>
+                      <a:endParaRPr lang="en-IN" sz="1100" dirty="0"/>
+                    </a:p>
+                  </a:txBody>
+                  <a:tcPr/>
+                </a:tc>
+                <a:extLst>
+                  <a:ext uri="{0D108BD9-81ED-4DB2-BD59-A6C34878D82A}">
+                    <a16:rowId xmlns:a16="http://schemas.microsoft.com/office/drawing/2014/main" val="2299575178"/>
+                  </a:ext>
+                </a:extLst>
+              </a:tr>
+            </a:tbl>
+          </a:graphicData>
+        </a:graphic>
+      </p:graphicFrame>
       <p:pic>
         <p:nvPicPr>
-          <p:cNvPr id="11" name="Picture 10">
+          <p:cNvPr id="12" name="Picture 11" descr="A graph of a salary&#10;&#10;Description automatically generated">
             <a:extLst>
               <a:ext uri="{FF2B5EF4-FFF2-40B4-BE49-F238E27FC236}">
-                <a16:creationId xmlns:a16="http://schemas.microsoft.com/office/drawing/2014/main" id="{91E86772-8DCD-98A9-2335-A8385AE121C0}"/>
+                <a16:creationId xmlns:a16="http://schemas.microsoft.com/office/drawing/2014/main" id="{2E3045A9-A546-55F8-CF49-DB9073CAB9E3}"/>
               </a:ext>
             </a:extLst>
           </p:cNvPr>
@@ -7600,91 +10769,57 @@
         </p:blipFill>
         <p:spPr>
           <a:xfrm>
-            <a:off x="201918" y="600919"/>
-            <a:ext cx="11162211" cy="5342709"/>
+            <a:off x="400050" y="1276670"/>
+            <a:ext cx="4549140" cy="3024694"/>
           </a:xfrm>
           <a:prstGeom prst="rect">
             <a:avLst/>
           </a:prstGeom>
         </p:spPr>
       </p:pic>
-      <p:sp>
-        <p:nvSpPr>
-          <p:cNvPr id="12" name="TextBox 11">
+      <p:pic>
+        <p:nvPicPr>
+          <p:cNvPr id="14" name="Picture 13" descr="A graph of a number of loan payer&#10;&#10;Description automatically generated">
             <a:extLst>
               <a:ext uri="{FF2B5EF4-FFF2-40B4-BE49-F238E27FC236}">
-                <a16:creationId xmlns:a16="http://schemas.microsoft.com/office/drawing/2014/main" id="{07E0FA05-7248-3FF7-72A3-2E8B4EA8CF06}"/>
+                <a16:creationId xmlns:a16="http://schemas.microsoft.com/office/drawing/2014/main" id="{7E26B44E-5380-0995-2871-D8DEDA8AAE57}"/>
               </a:ext>
             </a:extLst>
           </p:cNvPr>
-          <p:cNvSpPr txBox="1"/>
+          <p:cNvPicPr>
+            <a:picLocks noChangeAspect="1"/>
+          </p:cNvPicPr>
           <p:nvPr/>
-        </p:nvSpPr>
+        </p:nvPicPr>
+        <p:blipFill>
+          <a:blip r:embed="rId3"/>
+          <a:stretch>
+            <a:fillRect/>
+          </a:stretch>
+        </p:blipFill>
         <p:spPr>
           <a:xfrm>
-            <a:off x="1616528" y="2155371"/>
-            <a:ext cx="2944586" cy="1446550"/>
+            <a:off x="5783023" y="1321763"/>
+            <a:ext cx="5448300" cy="2979601"/>
           </a:xfrm>
           <a:prstGeom prst="rect">
             <a:avLst/>
           </a:prstGeom>
-          <a:noFill/>
         </p:spPr>
-        <p:txBody>
-          <a:bodyPr wrap="square" rtlCol="0">
-            <a:spAutoFit/>
-          </a:bodyPr>
-          <a:lstStyle/>
-          <a:p>
-            <a:r>
-              <a:rPr lang="en-IN" sz="4400" b="1" dirty="0">
-                <a:solidFill>
-                  <a:schemeClr val="bg1"/>
-                </a:solidFill>
-                <a:latin typeface="Bradley Hand ITC" panose="03070402050302030203" pitchFamily="66" charset="0"/>
-              </a:rPr>
-              <a:t>Any</a:t>
-            </a:r>
-            <a:r>
-              <a:rPr lang="en-IN" sz="4400" b="1" dirty="0">
-                <a:latin typeface="Bradley Hand ITC" panose="03070402050302030203" pitchFamily="66" charset="0"/>
-              </a:rPr>
-              <a:t> </a:t>
-            </a:r>
-            <a:r>
-              <a:rPr lang="en-IN" sz="4400" b="1" dirty="0">
-                <a:solidFill>
-                  <a:schemeClr val="bg1"/>
-                </a:solidFill>
-                <a:latin typeface="Bradley Hand ITC" panose="03070402050302030203" pitchFamily="66" charset="0"/>
-              </a:rPr>
-              <a:t>questions ?</a:t>
-            </a:r>
-          </a:p>
-        </p:txBody>
-      </p:sp>
+      </p:pic>
     </p:spTree>
     <p:extLst>
       <p:ext uri="{BB962C8B-B14F-4D97-AF65-F5344CB8AC3E}">
-        <p14:creationId xmlns:p14="http://schemas.microsoft.com/office/powerpoint/2010/main" val="252545827"/>
+        <p14:creationId xmlns:p14="http://schemas.microsoft.com/office/powerpoint/2010/main" val="2810756616"/>
       </p:ext>
     </p:extLst>
   </p:cSld>
   <p:clrMapOvr>
     <a:masterClrMapping/>
   </p:clrMapOvr>
-  <mc:AlternateContent xmlns:mc="http://schemas.openxmlformats.org/markup-compatibility/2006">
-    <mc:Choice xmlns:p14="http://schemas.microsoft.com/office/powerpoint/2010/main" Requires="p14">
-      <p:transition spd="slow" p14:dur="1400">
-        <p14:ripple/>
-      </p:transition>
-    </mc:Choice>
-    <mc:Fallback>
-      <p:transition spd="slow">
-        <p:fade/>
-      </p:transition>
-    </mc:Fallback>
-  </mc:AlternateContent>
+  <p:transition spd="slow">
+    <p:cover/>
+  </p:transition>
   <p:timing>
     <p:tnLst>
       <p:par>
@@ -7706,24 +10841,103 @@
                             </p:stCondLst>
                             <p:childTnLst>
                               <p:par>
-                                <p:cTn id="5" presetID="22" presetClass="entr" presetSubtype="4" fill="hold" nodeType="clickEffect">
+                                <p:cTn id="5" presetID="30" presetClass="emph" presetSubtype="0" fill="hold" grpId="0" nodeType="clickEffect">
+                                  <p:stCondLst>
+                                    <p:cond delay="0"/>
+                                  </p:stCondLst>
+                                  <p:childTnLst>
+                                    <p:animClr clrSpc="hsl" dir="cw">
+                                      <p:cBhvr override="childStyle">
+                                        <p:cTn id="6" dur="500" fill="hold"/>
+                                        <p:tgtEl>
+                                          <p:spTgt spid="2"/>
+                                        </p:tgtEl>
+                                        <p:attrNameLst>
+                                          <p:attrName>style.color</p:attrName>
+                                        </p:attrNameLst>
+                                      </p:cBhvr>
+                                      <p:by>
+                                        <p:hsl h="0" s="12549" l="25098"/>
+                                      </p:by>
+                                    </p:animClr>
+                                    <p:animClr clrSpc="hsl" dir="cw">
+                                      <p:cBhvr>
+                                        <p:cTn id="7" dur="500" fill="hold"/>
+                                        <p:tgtEl>
+                                          <p:spTgt spid="2"/>
+                                        </p:tgtEl>
+                                        <p:attrNameLst>
+                                          <p:attrName>fillcolor</p:attrName>
+                                        </p:attrNameLst>
+                                      </p:cBhvr>
+                                      <p:by>
+                                        <p:hsl h="0" s="12549" l="25098"/>
+                                      </p:by>
+                                    </p:animClr>
+                                    <p:animClr clrSpc="hsl" dir="cw">
+                                      <p:cBhvr>
+                                        <p:cTn id="8" dur="500" fill="hold"/>
+                                        <p:tgtEl>
+                                          <p:spTgt spid="2"/>
+                                        </p:tgtEl>
+                                        <p:attrNameLst>
+                                          <p:attrName>stroke.color</p:attrName>
+                                        </p:attrNameLst>
+                                      </p:cBhvr>
+                                      <p:by>
+                                        <p:hsl h="0" s="12549" l="25098"/>
+                                      </p:by>
+                                    </p:animClr>
+                                    <p:set>
+                                      <p:cBhvr>
+                                        <p:cTn id="9" dur="500" fill="hold"/>
+                                        <p:tgtEl>
+                                          <p:spTgt spid="2"/>
+                                        </p:tgtEl>
+                                        <p:attrNameLst>
+                                          <p:attrName>fill.type</p:attrName>
+                                        </p:attrNameLst>
+                                      </p:cBhvr>
+                                      <p:to>
+                                        <p:strVal val="solid"/>
+                                      </p:to>
+                                    </p:set>
+                                  </p:childTnLst>
+                                </p:cTn>
+                              </p:par>
+                            </p:childTnLst>
+                          </p:cTn>
+                        </p:par>
+                      </p:childTnLst>
+                    </p:cTn>
+                  </p:par>
+                  <p:par>
+                    <p:cTn id="10" fill="hold">
+                      <p:stCondLst>
+                        <p:cond delay="indefinite"/>
+                      </p:stCondLst>
+                      <p:childTnLst>
+                        <p:par>
+                          <p:cTn id="11" fill="hold">
+                            <p:stCondLst>
+                              <p:cond delay="0"/>
+                            </p:stCondLst>
+                            <p:childTnLst>
+                              <p:par>
+                                <p:cTn id="12" presetID="42" presetClass="entr" presetSubtype="0" fill="hold" nodeType="clickEffect">
                                   <p:stCondLst>
                                     <p:cond delay="0"/>
                                   </p:stCondLst>
                                   <p:childTnLst>
                                     <p:set>
                                       <p:cBhvr>
-                                        <p:cTn id="6" dur="1" fill="hold">
+                                        <p:cTn id="13" dur="1" fill="hold">
                                           <p:stCondLst>
                                             <p:cond delay="0"/>
                                           </p:stCondLst>
                                         </p:cTn>
                                         <p:tgtEl>
-                                          <p:spTgt spid="12">
-                                            <p:txEl>
-                                              <p:pRg st="0" end="0"/>
-                                            </p:txEl>
-                                          </p:spTgt>
+                                          <p:spTgt spid="6"/>
                                         </p:tgtEl>
                                         <p:attrNameLst>
                                           <p:attrName>style.visibility</p:attrName>
@@ -7733,18 +10947,60 @@
                                         <p:strVal val="visible"/>
                                       </p:to>
                                     </p:set>
-                                    <p:animEffect transition="in" filter="wipe(down)">
+                                    <p:animEffect transition="in" filter="fade">
                                       <p:cBhvr>
-                                        <p:cTn id="7" dur="500"/>
-                                        <p:tgtEl>
-                                          <p:spTgt spid="12">
-                                            <p:txEl>
-                                              <p:pRg st="0" end="0"/>
-                                            </p:txEl>
-                                          </p:spTgt>
+                                        <p:cTn id="14" dur="1000"/>
+                                        <p:tgtEl>
+                                          <p:spTgt spid="6"/>
                                         </p:tgtEl>
                                       </p:cBhvr>
                                     </p:animEffect>
+                                    <p:anim calcmode="lin" valueType="num">
+                                      <p:cBhvr>
+                                        <p:cTn id="15" dur="1000" fill="hold"/>
+                                        <p:tgtEl>
+                                          <p:spTgt spid="6"/>
+                                        </p:tgtEl>
+                                        <p:attrNameLst>
+                                          <p:attrName>ppt_x</p:attrName>
+                                        </p:attrNameLst>
+                                      </p:cBhvr>
+                                      <p:tavLst>
+                                        <p:tav tm="0">
+                                          <p:val>
+                                            <p:strVal val="#ppt_x"/>
+                                          </p:val>
+                                        </p:tav>
+                                        <p:tav tm="100000">
+                                          <p:val>
+                                            <p:strVal val="#ppt_x"/>
+                                          </p:val>
+                                        </p:tav>
+                                      </p:tavLst>
+                                    </p:anim>
+                                    <p:anim calcmode="lin" valueType="num">
+                                      <p:cBhvr>
+                                        <p:cTn id="16" dur="1000" fill="hold"/>
+                                        <p:tgtEl>
+                                          <p:spTgt spid="6"/>
+                                        </p:tgtEl>
+                                        <p:attrNameLst>
+                                          <p:attrName>ppt_y</p:attrName>
+                                        </p:attrNameLst>
+                                      </p:cBhvr>
+                                      <p:tavLst>
+                                        <p:tav tm="0">
+                                          <p:val>
+                                            <p:strVal val="#ppt_y+.1"/>
+                                          </p:val>
+                                        </p:tav>
+                                        <p:tav tm="100000">
+                                          <p:val>
+                                            <p:strVal val="#ppt_y"/>
+                                          </p:val>
+                                        </p:tav>
+                                      </p:tavLst>
+                                    </p:anim>
                                   </p:childTnLst>
                                 </p:cTn>
                               </p:par>
@@ -7775,370 +11031,9 @@
         </p:cTn>
       </p:par>
     </p:tnLst>
-  </p:timing>
-</p:sld>
-</file>
-
-<file path=ppt/slides/slide7.xml><?xml version="1.0" encoding="utf-8"?>
-<p:sld xmlns:a="http://schemas.openxmlformats.org/drawingml/2006/main" xmlns:r="http://schemas.openxmlformats.org/officeDocument/2006/relationships" xmlns:p="http://schemas.openxmlformats.org/presentationml/2006/main">
-  <p:cSld>
-    <p:bg>
-      <p:bgPr>
-        <a:solidFill>
-          <a:srgbClr val="CCCC00">
-            <a:alpha val="23137"/>
-          </a:srgbClr>
-        </a:solidFill>
-        <a:effectLst/>
-      </p:bgPr>
-    </p:bg>
-    <p:spTree>
-      <p:nvGrpSpPr>
-        <p:cNvPr id="1" name=""/>
-        <p:cNvGrpSpPr/>
-        <p:nvPr/>
-      </p:nvGrpSpPr>
-      <p:grpSpPr>
-        <a:xfrm>
-          <a:off x="0" y="0"/>
-          <a:ext cx="0" cy="0"/>
-          <a:chOff x="0" y="0"/>
-          <a:chExt cx="0" cy="0"/>
-        </a:xfrm>
-      </p:grpSpPr>
-      <p:sp>
-        <p:nvSpPr>
-          <p:cNvPr id="9" name="Rectangle: Rounded Corners 8">
-            <a:extLst>
-              <a:ext uri="{FF2B5EF4-FFF2-40B4-BE49-F238E27FC236}">
-                <a16:creationId xmlns:a16="http://schemas.microsoft.com/office/drawing/2014/main" id="{0CC9C4CF-AA25-40BA-611F-48AA90E53C89}"/>
-              </a:ext>
-            </a:extLst>
-          </p:cNvPr>
-          <p:cNvSpPr/>
-          <p:nvPr/>
-        </p:nvSpPr>
-        <p:spPr>
-          <a:xfrm>
-            <a:off x="201918" y="600919"/>
-            <a:ext cx="11162211" cy="5342709"/>
-          </a:xfrm>
-          <a:prstGeom prst="roundRect">
-            <a:avLst/>
-          </a:prstGeom>
-          <a:solidFill>
-            <a:srgbClr val="CCCC00">
-              <a:alpha val="43922"/>
-            </a:srgbClr>
-          </a:solidFill>
-        </p:spPr>
-        <p:style>
-          <a:lnRef idx="2">
-            <a:schemeClr val="accent1">
-              <a:shade val="15000"/>
-            </a:schemeClr>
-          </a:lnRef>
-          <a:fillRef idx="1">
-            <a:schemeClr val="accent1"/>
-          </a:fillRef>
-          <a:effectRef idx="0">
-            <a:schemeClr val="accent1"/>
-          </a:effectRef>
-          <a:fontRef idx="minor">
-            <a:schemeClr val="lt1"/>
-          </a:fontRef>
-        </p:style>
-        <p:txBody>
-          <a:bodyPr rtlCol="0" anchor="ctr"/>
-          <a:lstStyle/>
-          <a:p>
-            <a:pPr algn="ctr"/>
-            <a:endParaRPr lang="en-IN" dirty="0"/>
-          </a:p>
-        </p:txBody>
-      </p:sp>
-      <p:sp>
-        <p:nvSpPr>
-          <p:cNvPr id="2" name="Rectangle 1">
-            <a:extLst>
-              <a:ext uri="{FF2B5EF4-FFF2-40B4-BE49-F238E27FC236}">
-                <a16:creationId xmlns:a16="http://schemas.microsoft.com/office/drawing/2014/main" id="{B06718A7-0BF2-BE33-E650-0176A7206239}"/>
-              </a:ext>
-            </a:extLst>
-          </p:cNvPr>
-          <p:cNvSpPr/>
-          <p:nvPr/>
-        </p:nvSpPr>
-        <p:spPr>
-          <a:xfrm>
-            <a:off x="3499758" y="2967335"/>
-            <a:ext cx="4356474" cy="923330"/>
-          </a:xfrm>
-          <a:prstGeom prst="rect">
-            <a:avLst/>
-          </a:prstGeom>
-          <a:noFill/>
-        </p:spPr>
-        <p:txBody>
-          <a:bodyPr wrap="square" lIns="91440" tIns="45720" rIns="91440" bIns="45720">
-            <a:spAutoFit/>
-          </a:bodyPr>
-          <a:lstStyle/>
-          <a:p>
-            <a:pPr algn="ctr"/>
-            <a:r>
-              <a:rPr lang="en-US" sz="5400" b="1" dirty="0">
-                <a:ln w="12700">
-                  <a:solidFill>
-                    <a:schemeClr val="accent1">
-                      <a:lumMod val="40000"/>
-                      <a:lumOff val="60000"/>
-                    </a:schemeClr>
-                  </a:solidFill>
-                  <a:prstDash val="solid"/>
-                </a:ln>
-                <a:solidFill>
-                  <a:schemeClr val="accent6">
-                    <a:lumMod val="75000"/>
-                  </a:schemeClr>
-                </a:solidFill>
-                <a:effectLst>
-                  <a:innerShdw blurRad="177800">
-                    <a:schemeClr val="accent3">
-                      <a:lumMod val="50000"/>
-                    </a:schemeClr>
-                  </a:innerShdw>
-                </a:effectLst>
-              </a:rPr>
-              <a:t>Thank You</a:t>
-            </a:r>
-            <a:endParaRPr lang="en-US" sz="5400" b="1" cap="none" spc="0" dirty="0">
-              <a:ln w="12700">
-                <a:solidFill>
-                  <a:schemeClr val="accent1">
-                    <a:lumMod val="40000"/>
-                    <a:lumOff val="60000"/>
-                  </a:schemeClr>
-                </a:solidFill>
-                <a:prstDash val="solid"/>
-              </a:ln>
-              <a:solidFill>
-                <a:schemeClr val="accent6">
-                  <a:lumMod val="75000"/>
-                </a:schemeClr>
-              </a:solidFill>
-              <a:effectLst>
-                <a:innerShdw blurRad="177800">
-                  <a:schemeClr val="accent3">
-                    <a:lumMod val="50000"/>
-                  </a:schemeClr>
-                </a:innerShdw>
-              </a:effectLst>
-            </a:endParaRPr>
-          </a:p>
-        </p:txBody>
-      </p:sp>
-      <p:pic>
-        <p:nvPicPr>
-          <p:cNvPr id="4" name="Graphic 3" descr="Angel face with solid fill with solid fill">
-            <a:extLst>
-              <a:ext uri="{FF2B5EF4-FFF2-40B4-BE49-F238E27FC236}">
-                <a16:creationId xmlns:a16="http://schemas.microsoft.com/office/drawing/2014/main" id="{E1AB94DD-34B0-07C7-F890-E6F8D531D0EF}"/>
-              </a:ext>
-            </a:extLst>
-          </p:cNvPr>
-          <p:cNvPicPr>
-            <a:picLocks noChangeAspect="1"/>
-          </p:cNvPicPr>
-          <p:nvPr/>
-        </p:nvPicPr>
-        <p:blipFill>
-          <a:blip r:embed="rId2">
-            <a:extLst>
-              <a:ext uri="{96DAC541-7B7A-43D3-8B79-37D633B846F1}">
-                <asvg:svgBlip xmlns:asvg="http://schemas.microsoft.com/office/drawing/2016/SVG/main" r:embed="rId3"/>
-              </a:ext>
-            </a:extLst>
-          </a:blip>
-          <a:stretch>
-            <a:fillRect/>
-          </a:stretch>
-        </p:blipFill>
-        <p:spPr>
-          <a:xfrm>
-            <a:off x="7347857" y="2967335"/>
-            <a:ext cx="914400" cy="914400"/>
-          </a:xfrm>
-          <a:prstGeom prst="rect">
-            <a:avLst/>
-          </a:prstGeom>
-        </p:spPr>
-      </p:pic>
-    </p:spTree>
-    <p:extLst>
-      <p:ext uri="{BB962C8B-B14F-4D97-AF65-F5344CB8AC3E}">
-        <p14:creationId xmlns:p14="http://schemas.microsoft.com/office/powerpoint/2010/main" val="4038716938"/>
-      </p:ext>
-    </p:extLst>
-  </p:cSld>
-  <p:clrMapOvr>
-    <a:masterClrMapping/>
-  </p:clrMapOvr>
-  <mc:AlternateContent xmlns:mc="http://schemas.openxmlformats.org/markup-compatibility/2006">
-    <mc:Choice xmlns:p14="http://schemas.microsoft.com/office/powerpoint/2010/main" Requires="p14">
-      <p:transition spd="slow" p14:dur="1600">
-        <p14:prism isContent="1" isInverted="1"/>
-      </p:transition>
-    </mc:Choice>
-    <mc:Fallback>
-      <p:transition spd="slow">
-        <p:fade/>
-      </p:transition>
-    </mc:Fallback>
-  </mc:AlternateContent>
-  <p:timing>
-    <p:tnLst>
-      <p:par>
-        <p:cTn id="1" dur="indefinite" restart="never" nodeType="tmRoot">
-          <p:childTnLst>
-            <p:seq concurrent="1" nextAc="seek">
-              <p:cTn id="2" dur="indefinite" nodeType="mainSeq">
-                <p:childTnLst>
-                  <p:par>
-                    <p:cTn id="3" fill="hold">
-                      <p:stCondLst>
-                        <p:cond delay="indefinite"/>
-                      </p:stCondLst>
-                      <p:childTnLst>
-                        <p:par>
-                          <p:cTn id="4" fill="hold">
-                            <p:stCondLst>
-                              <p:cond delay="0"/>
-                            </p:stCondLst>
-                            <p:childTnLst>
-                              <p:par>
-                                <p:cTn id="5" presetID="6" presetClass="entr" presetSubtype="16" fill="hold" nodeType="clickEffect">
-                                  <p:stCondLst>
-                                    <p:cond delay="0"/>
-                                  </p:stCondLst>
-                                  <p:childTnLst>
-                                    <p:set>
-                                      <p:cBhvr>
-                                        <p:cTn id="6" dur="1" fill="hold">
-                                          <p:stCondLst>
-                                            <p:cond delay="0"/>
-                                          </p:stCondLst>
-                                        </p:cTn>
-                                        <p:tgtEl>
-                                          <p:spTgt spid="2">
-                                            <p:txEl>
-                                              <p:pRg st="0" end="0"/>
-                                            </p:txEl>
-                                          </p:spTgt>
-                                        </p:tgtEl>
-                                        <p:attrNameLst>
-                                          <p:attrName>style.visibility</p:attrName>
-                                        </p:attrNameLst>
-                                      </p:cBhvr>
-                                      <p:to>
-                                        <p:strVal val="visible"/>
-                                      </p:to>
-                                    </p:set>
-                                    <p:animEffect transition="in" filter="circle(in)">
-                                      <p:cBhvr>
-                                        <p:cTn id="7" dur="2000"/>
-                                        <p:tgtEl>
-                                          <p:spTgt spid="2">
-                                            <p:txEl>
-                                              <p:pRg st="0" end="0"/>
-                                            </p:txEl>
-                                          </p:spTgt>
-                                        </p:tgtEl>
-                                      </p:cBhvr>
-                                    </p:animEffect>
-                                  </p:childTnLst>
-                                </p:cTn>
-                              </p:par>
-                            </p:childTnLst>
-                          </p:cTn>
-                        </p:par>
-                      </p:childTnLst>
-                    </p:cTn>
-                  </p:par>
-                  <p:par>
-                    <p:cTn id="8" fill="hold">
-                      <p:stCondLst>
-                        <p:cond delay="indefinite"/>
-                      </p:stCondLst>
-                      <p:childTnLst>
-                        <p:par>
-                          <p:cTn id="9" fill="hold">
-                            <p:stCondLst>
-                              <p:cond delay="0"/>
-                            </p:stCondLst>
-                            <p:childTnLst>
-                              <p:par>
-                                <p:cTn id="10" presetID="22" presetClass="entr" presetSubtype="4" fill="hold" nodeType="clickEffect">
-                                  <p:stCondLst>
-                                    <p:cond delay="0"/>
-                                  </p:stCondLst>
-                                  <p:childTnLst>
-                                    <p:set>
-                                      <p:cBhvr>
-                                        <p:cTn id="11" dur="1" fill="hold">
-                                          <p:stCondLst>
-                                            <p:cond delay="0"/>
-                                          </p:stCondLst>
-                                        </p:cTn>
-                                        <p:tgtEl>
-                                          <p:spTgt spid="4"/>
-                                        </p:tgtEl>
-                                        <p:attrNameLst>
-                                          <p:attrName>style.visibility</p:attrName>
-                                        </p:attrNameLst>
-                                      </p:cBhvr>
-                                      <p:to>
-                                        <p:strVal val="visible"/>
-                                      </p:to>
-                                    </p:set>
-                                    <p:animEffect transition="in" filter="wipe(down)">
-                                      <p:cBhvr>
-                                        <p:cTn id="12" dur="500"/>
-                                        <p:tgtEl>
-                                          <p:spTgt spid="4"/>
-                                        </p:tgtEl>
-                                      </p:cBhvr>
-                                    </p:animEffect>
-                                  </p:childTnLst>
-                                </p:cTn>
-                              </p:par>
-                            </p:childTnLst>
-                          </p:cTn>
-                        </p:par>
-                      </p:childTnLst>
-                    </p:cTn>
-                  </p:par>
-                </p:childTnLst>
-              </p:cTn>
-              <p:prevCondLst>
-                <p:cond evt="onPrev" delay="0">
-                  <p:tgtEl>
-                    <p:sldTgt/>
-                  </p:tgtEl>
-                </p:cond>
-              </p:prevCondLst>
-              <p:nextCondLst>
-                <p:cond evt="onNext" delay="0">
-                  <p:tgtEl>
-                    <p:sldTgt/>
-                  </p:tgtEl>
-                </p:cond>
-              </p:nextCondLst>
-            </p:seq>
-          </p:childTnLst>
-        </p:cTn>
-      </p:par>
-    </p:tnLst>
+    <p:bldLst>
+      <p:bldP spid="2" grpId="0" animBg="1"/>
+    </p:bldLst>
   </p:timing>
 </p:sld>
 </file>
@@ -8397,26 +11292,6 @@
 </file>
 
 <file path=customXml/item1.xml><?xml version="1.0" encoding="utf-8"?>
-<p:properties xmlns:p="http://schemas.microsoft.com/office/2006/metadata/properties" xmlns:xsi="http://www.w3.org/2001/XMLSchema-instance" xmlns:pc="http://schemas.microsoft.com/office/infopath/2007/PartnerControls">
-  <documentManagement>
-    <Status xmlns="71af3243-3dd4-4a8d-8c0d-dd76da1f02a5">Not started</Status>
-    <MediaServiceKeyPoints xmlns="71af3243-3dd4-4a8d-8c0d-dd76da1f02a5" xsi:nil="true"/>
-    <_ip_UnifiedCompliancePolicyUIAction xmlns="http://schemas.microsoft.com/sharepoint/v3" xsi:nil="true"/>
-    <Image xmlns="71af3243-3dd4-4a8d-8c0d-dd76da1f02a5">
-      <Url xsi:nil="true"/>
-      <Description xsi:nil="true"/>
-    </Image>
-    <Background xmlns="71af3243-3dd4-4a8d-8c0d-dd76da1f02a5">false</Background>
-    <_ip_UnifiedCompliancePolicyProperties xmlns="http://schemas.microsoft.com/sharepoint/v3" xsi:nil="true"/>
-    <ImageTagsTaxHTField xmlns="71af3243-3dd4-4a8d-8c0d-dd76da1f02a5">
-      <Terms xmlns="http://schemas.microsoft.com/office/infopath/2007/PartnerControls"/>
-    </ImageTagsTaxHTField>
-    <TaxCatchAll xmlns="230e9df3-be65-4c73-a93b-d1236ebd677e" xsi:nil="true"/>
-  </documentManagement>
-</p:properties>
-</file>
-
-<file path=customXml/item2.xml><?xml version="1.0" encoding="utf-8"?>
 <ct:contentTypeSchema xmlns:ct="http://schemas.microsoft.com/office/2006/metadata/contentType" xmlns:ma="http://schemas.microsoft.com/office/2006/metadata/properties/metaAttributes" ct:_="" ma:_="" ma:contentTypeName="Document" ma:contentTypeID="0x01010079F111ED35F8CC479449609E8A0923A6" ma:contentTypeVersion="27" ma:contentTypeDescription="Create a new document." ma:contentTypeScope="" ma:versionID="c6f9a84f66a9c8b9a21755b9ffafb945">
   <xsd:schema xmlns:xsd="http://www.w3.org/2001/XMLSchema" xmlns:xs="http://www.w3.org/2001/XMLSchema" xmlns:p="http://schemas.microsoft.com/office/2006/metadata/properties" xmlns:ns1="http://schemas.microsoft.com/sharepoint/v3" xmlns:ns2="71af3243-3dd4-4a8d-8c0d-dd76da1f02a5" xmlns:ns3="16c05727-aa75-4e4a-9b5f-8a80a1165891" xmlns:ns4="230e9df3-be65-4c73-a93b-d1236ebd677e" targetNamespace="http://schemas.microsoft.com/office/2006/metadata/properties" ma:root="true" ma:fieldsID="27df39e3e7036dff54f89ddd5805ce72" ns1:_="" ns2:_="" ns3:_="" ns4:_="">
     <xsd:import namespace="http://schemas.microsoft.com/sharepoint/v3"/>
@@ -8722,6 +11597,26 @@
 </ct:contentTypeSchema>
 </file>
 
+<file path=customXml/item2.xml><?xml version="1.0" encoding="utf-8"?>
+<p:properties xmlns:p="http://schemas.microsoft.com/office/2006/metadata/properties" xmlns:xsi="http://www.w3.org/2001/XMLSchema-instance" xmlns:pc="http://schemas.microsoft.com/office/infopath/2007/PartnerControls">
+  <documentManagement>
+    <Status xmlns="71af3243-3dd4-4a8d-8c0d-dd76da1f02a5">Not started</Status>
+    <MediaServiceKeyPoints xmlns="71af3243-3dd4-4a8d-8c0d-dd76da1f02a5" xsi:nil="true"/>
+    <_ip_UnifiedCompliancePolicyUIAction xmlns="http://schemas.microsoft.com/sharepoint/v3" xsi:nil="true"/>
+    <Image xmlns="71af3243-3dd4-4a8d-8c0d-dd76da1f02a5">
+      <Url xsi:nil="true"/>
+      <Description xsi:nil="true"/>
+    </Image>
+    <Background xmlns="71af3243-3dd4-4a8d-8c0d-dd76da1f02a5">false</Background>
+    <_ip_UnifiedCompliancePolicyProperties xmlns="http://schemas.microsoft.com/sharepoint/v3" xsi:nil="true"/>
+    <ImageTagsTaxHTField xmlns="71af3243-3dd4-4a8d-8c0d-dd76da1f02a5">
+      <Terms xmlns="http://schemas.microsoft.com/office/infopath/2007/PartnerControls"/>
+    </ImageTagsTaxHTField>
+    <TaxCatchAll xmlns="230e9df3-be65-4c73-a93b-d1236ebd677e" xsi:nil="true"/>
+  </documentManagement>
+</p:properties>
+</file>
+
 <file path=customXml/item3.xml><?xml version="1.0" encoding="utf-8"?>
 <?mso-contentType ?>
 <FormTemplates xmlns="http://schemas.microsoft.com/sharepoint/v3/contenttype/forms">
@@ -8732,18 +11627,6 @@
 </file>
 
 <file path=customXml/itemProps1.xml><?xml version="1.0" encoding="utf-8"?>
-<ds:datastoreItem xmlns:ds="http://schemas.openxmlformats.org/officeDocument/2006/customXml" ds:itemID="{A03EEFF0-FB57-4CB4-8BFC-DF397689E2ED}">
-  <ds:schemaRefs>
-    <ds:schemaRef ds:uri="http://schemas.microsoft.com/office/2006/metadata/properties"/>
-    <ds:schemaRef ds:uri="http://schemas.microsoft.com/office/infopath/2007/PartnerControls"/>
-    <ds:schemaRef ds:uri="71af3243-3dd4-4a8d-8c0d-dd76da1f02a5"/>
-    <ds:schemaRef ds:uri="http://schemas.microsoft.com/sharepoint/v3"/>
-    <ds:schemaRef ds:uri="230e9df3-be65-4c73-a93b-d1236ebd677e"/>
-  </ds:schemaRefs>
-</ds:datastoreItem>
-</file>
-
-<file path=customXml/itemProps2.xml><?xml version="1.0" encoding="utf-8"?>
 <ds:datastoreItem xmlns:ds="http://schemas.openxmlformats.org/officeDocument/2006/customXml" ds:itemID="{D2957789-34B8-480C-AF9B-3EB54B9E5C96}">
   <ds:schemaRefs>
     <ds:schemaRef ds:uri="http://schemas.microsoft.com/office/2006/metadata/contentType"/>
@@ -8764,6 +11647,18 @@
 </ds:datastoreItem>
 </file>
 
+<file path=customXml/itemProps2.xml><?xml version="1.0" encoding="utf-8"?>
+<ds:datastoreItem xmlns:ds="http://schemas.openxmlformats.org/officeDocument/2006/customXml" ds:itemID="{A03EEFF0-FB57-4CB4-8BFC-DF397689E2ED}">
+  <ds:schemaRefs>
+    <ds:schemaRef ds:uri="http://schemas.microsoft.com/office/2006/metadata/properties"/>
+    <ds:schemaRef ds:uri="http://schemas.microsoft.com/office/infopath/2007/PartnerControls"/>
+    <ds:schemaRef ds:uri="71af3243-3dd4-4a8d-8c0d-dd76da1f02a5"/>
+    <ds:schemaRef ds:uri="http://schemas.microsoft.com/sharepoint/v3"/>
+    <ds:schemaRef ds:uri="230e9df3-be65-4c73-a93b-d1236ebd677e"/>
+  </ds:schemaRefs>
+</ds:datastoreItem>
+</file>
+
 <file path=customXml/itemProps3.xml><?xml version="1.0" encoding="utf-8"?>
 <ds:datastoreItem xmlns:ds="http://schemas.openxmlformats.org/officeDocument/2006/customXml" ds:itemID="{AA3F7EDC-E5B4-4BBC-9D2A-CBE6D46C37AD}">
   <ds:schemaRefs>
